--- a/analysis/plots/fig1_supp_tree_20210515.pptx
+++ b/analysis/plots/fig1_supp_tree_20210515.pptx
@@ -2,12 +2,12 @@
 <file path=ppt/presentation.xml><?xml version="1.0" encoding="utf-8"?>
 <p:presentation xmlns:a="http://schemas.openxmlformats.org/drawingml/2006/main" xmlns:r="http://schemas.openxmlformats.org/officeDocument/2006/relationships" xmlns:p="http://schemas.openxmlformats.org/presentationml/2006/main" saveSubsetFonts="1" autoCompressPictures="0">
   <p:sldMasterIdLst>
-    <p:sldMasterId id="2147483684" r:id="rId1"/>
+    <p:sldMasterId id="2147483696" r:id="rId1"/>
   </p:sldMasterIdLst>
   <p:sldIdLst>
     <p:sldId id="256" r:id="rId2"/>
   </p:sldIdLst>
-  <p:sldSz cx="9601200" cy="6400800"/>
+  <p:sldSz cx="9601200" cy="5943600"/>
   <p:notesSz cx="6858000" cy="9144000"/>
   <p:defaultTextStyle>
     <a:defPPr>
@@ -141,15 +141,15 @@
         </p:nvSpPr>
         <p:spPr>
           <a:xfrm>
-            <a:off x="720090" y="1047539"/>
-            <a:ext cx="8161020" cy="2228427"/>
+            <a:off x="1200150" y="972715"/>
+            <a:ext cx="7200900" cy="2069253"/>
           </a:xfrm>
         </p:spPr>
         <p:txBody>
           <a:bodyPr anchor="b"/>
           <a:lstStyle>
             <a:lvl1pPr algn="ctr">
-              <a:defRPr sz="5600"/>
+              <a:defRPr sz="4725"/>
             </a:lvl1pPr>
           </a:lstStyle>
           <a:p>
@@ -173,8 +173,8 @@
         </p:nvSpPr>
         <p:spPr>
           <a:xfrm>
-            <a:off x="1200150" y="3361902"/>
-            <a:ext cx="7200900" cy="1545378"/>
+            <a:off x="1200150" y="3121766"/>
+            <a:ext cx="7200900" cy="1434994"/>
           </a:xfrm>
         </p:spPr>
         <p:txBody>
@@ -182,39 +182,39 @@
           <a:lstStyle>
             <a:lvl1pPr marL="0" indent="0" algn="ctr">
               <a:buNone/>
-              <a:defRPr sz="2240"/>
+              <a:defRPr sz="1890"/>
             </a:lvl1pPr>
-            <a:lvl2pPr marL="426705" indent="0" algn="ctr">
-              <a:buNone/>
-              <a:defRPr sz="1867"/>
+            <a:lvl2pPr marL="360045" indent="0" algn="ctr">
+              <a:buNone/>
+              <a:defRPr sz="1575"/>
             </a:lvl2pPr>
-            <a:lvl3pPr marL="853410" indent="0" algn="ctr">
-              <a:buNone/>
-              <a:defRPr sz="1680"/>
+            <a:lvl3pPr marL="720090" indent="0" algn="ctr">
+              <a:buNone/>
+              <a:defRPr sz="1418"/>
             </a:lvl3pPr>
-            <a:lvl4pPr marL="1280114" indent="0" algn="ctr">
-              <a:buNone/>
-              <a:defRPr sz="1493"/>
+            <a:lvl4pPr marL="1080135" indent="0" algn="ctr">
+              <a:buNone/>
+              <a:defRPr sz="1260"/>
             </a:lvl4pPr>
-            <a:lvl5pPr marL="1706819" indent="0" algn="ctr">
-              <a:buNone/>
-              <a:defRPr sz="1493"/>
+            <a:lvl5pPr marL="1440180" indent="0" algn="ctr">
+              <a:buNone/>
+              <a:defRPr sz="1260"/>
             </a:lvl5pPr>
-            <a:lvl6pPr marL="2133524" indent="0" algn="ctr">
-              <a:buNone/>
-              <a:defRPr sz="1493"/>
+            <a:lvl6pPr marL="1800225" indent="0" algn="ctr">
+              <a:buNone/>
+              <a:defRPr sz="1260"/>
             </a:lvl6pPr>
-            <a:lvl7pPr marL="2560229" indent="0" algn="ctr">
-              <a:buNone/>
-              <a:defRPr sz="1493"/>
+            <a:lvl7pPr marL="2160270" indent="0" algn="ctr">
+              <a:buNone/>
+              <a:defRPr sz="1260"/>
             </a:lvl7pPr>
-            <a:lvl8pPr marL="2986933" indent="0" algn="ctr">
-              <a:buNone/>
-              <a:defRPr sz="1493"/>
+            <a:lvl8pPr marL="2520315" indent="0" algn="ctr">
+              <a:buNone/>
+              <a:defRPr sz="1260"/>
             </a:lvl8pPr>
-            <a:lvl9pPr marL="3413638" indent="0" algn="ctr">
-              <a:buNone/>
-              <a:defRPr sz="1493"/>
+            <a:lvl9pPr marL="2880360" indent="0" algn="ctr">
+              <a:buNone/>
+              <a:defRPr sz="1260"/>
             </a:lvl9pPr>
           </a:lstStyle>
           <a:p>
@@ -243,7 +243,7 @@
           <a:p>
             <a:fld id="{FEBC60FD-D8E0-5D4D-9347-809F7021C6CE}" type="datetimeFigureOut">
               <a:rPr lang="en-US" smtClean="0"/>
-              <a:t>7/26/21</a:t>
+              <a:t>12/20/21</a:t>
             </a:fld>
             <a:endParaRPr lang="en-US"/>
           </a:p>
@@ -294,7 +294,7 @@
     </p:spTree>
     <p:extLst>
       <p:ext uri="{BB962C8B-B14F-4D97-AF65-F5344CB8AC3E}">
-        <p14:creationId xmlns:p14="http://schemas.microsoft.com/office/powerpoint/2010/main" val="138372715"/>
+        <p14:creationId xmlns:p14="http://schemas.microsoft.com/office/powerpoint/2010/main" val="1081151629"/>
       </p:ext>
     </p:extLst>
   </p:cSld>
@@ -413,7 +413,7 @@
           <a:p>
             <a:fld id="{FEBC60FD-D8E0-5D4D-9347-809F7021C6CE}" type="datetimeFigureOut">
               <a:rPr lang="en-US" smtClean="0"/>
-              <a:t>7/26/21</a:t>
+              <a:t>12/20/21</a:t>
             </a:fld>
             <a:endParaRPr lang="en-US"/>
           </a:p>
@@ -464,7 +464,7 @@
     </p:spTree>
     <p:extLst>
       <p:ext uri="{BB962C8B-B14F-4D97-AF65-F5344CB8AC3E}">
-        <p14:creationId xmlns:p14="http://schemas.microsoft.com/office/powerpoint/2010/main" val="3515781918"/>
+        <p14:creationId xmlns:p14="http://schemas.microsoft.com/office/powerpoint/2010/main" val="2489383097"/>
       </p:ext>
     </p:extLst>
   </p:cSld>
@@ -503,8 +503,8 @@
         </p:nvSpPr>
         <p:spPr>
           <a:xfrm>
-            <a:off x="6870859" y="340783"/>
-            <a:ext cx="2070259" cy="5424382"/>
+            <a:off x="6870859" y="316442"/>
+            <a:ext cx="2070259" cy="5036926"/>
           </a:xfrm>
         </p:spPr>
         <p:txBody>
@@ -531,8 +531,8 @@
         </p:nvSpPr>
         <p:spPr>
           <a:xfrm>
-            <a:off x="660083" y="340783"/>
-            <a:ext cx="6090761" cy="5424382"/>
+            <a:off x="660083" y="316442"/>
+            <a:ext cx="6090761" cy="5036926"/>
           </a:xfrm>
         </p:spPr>
         <p:txBody>
@@ -593,7 +593,7 @@
           <a:p>
             <a:fld id="{FEBC60FD-D8E0-5D4D-9347-809F7021C6CE}" type="datetimeFigureOut">
               <a:rPr lang="en-US" smtClean="0"/>
-              <a:t>7/26/21</a:t>
+              <a:t>12/20/21</a:t>
             </a:fld>
             <a:endParaRPr lang="en-US"/>
           </a:p>
@@ -644,7 +644,7 @@
     </p:spTree>
     <p:extLst>
       <p:ext uri="{BB962C8B-B14F-4D97-AF65-F5344CB8AC3E}">
-        <p14:creationId xmlns:p14="http://schemas.microsoft.com/office/powerpoint/2010/main" val="285434782"/>
+        <p14:creationId xmlns:p14="http://schemas.microsoft.com/office/powerpoint/2010/main" val="1919610708"/>
       </p:ext>
     </p:extLst>
   </p:cSld>
@@ -763,7 +763,7 @@
           <a:p>
             <a:fld id="{FEBC60FD-D8E0-5D4D-9347-809F7021C6CE}" type="datetimeFigureOut">
               <a:rPr lang="en-US" smtClean="0"/>
-              <a:t>7/26/21</a:t>
+              <a:t>12/20/21</a:t>
             </a:fld>
             <a:endParaRPr lang="en-US"/>
           </a:p>
@@ -814,7 +814,7 @@
     </p:spTree>
     <p:extLst>
       <p:ext uri="{BB962C8B-B14F-4D97-AF65-F5344CB8AC3E}">
-        <p14:creationId xmlns:p14="http://schemas.microsoft.com/office/powerpoint/2010/main" val="4235119745"/>
+        <p14:creationId xmlns:p14="http://schemas.microsoft.com/office/powerpoint/2010/main" val="137335778"/>
       </p:ext>
     </p:extLst>
   </p:cSld>
@@ -853,15 +853,15 @@
         </p:nvSpPr>
         <p:spPr>
           <a:xfrm>
-            <a:off x="655082" y="1595757"/>
-            <a:ext cx="8281035" cy="2662555"/>
+            <a:off x="655082" y="1481773"/>
+            <a:ext cx="8281035" cy="2472372"/>
           </a:xfrm>
         </p:spPr>
         <p:txBody>
           <a:bodyPr anchor="b"/>
           <a:lstStyle>
             <a:lvl1pPr>
-              <a:defRPr sz="5600"/>
+              <a:defRPr sz="4725"/>
             </a:lvl1pPr>
           </a:lstStyle>
           <a:p>
@@ -885,8 +885,8 @@
         </p:nvSpPr>
         <p:spPr>
           <a:xfrm>
-            <a:off x="655082" y="4283500"/>
-            <a:ext cx="8281035" cy="1400175"/>
+            <a:off x="655082" y="3977535"/>
+            <a:ext cx="8281035" cy="1300162"/>
           </a:xfrm>
         </p:spPr>
         <p:txBody>
@@ -894,15 +894,17 @@
           <a:lstStyle>
             <a:lvl1pPr marL="0" indent="0">
               <a:buNone/>
-              <a:defRPr sz="2240">
+              <a:defRPr sz="1890">
                 <a:solidFill>
-                  <a:schemeClr val="tx1"/>
+                  <a:schemeClr val="tx1">
+                    <a:tint val="75000"/>
+                  </a:schemeClr>
                 </a:solidFill>
               </a:defRPr>
             </a:lvl1pPr>
-            <a:lvl2pPr marL="426705" indent="0">
-              <a:buNone/>
-              <a:defRPr sz="1867">
+            <a:lvl2pPr marL="360045" indent="0">
+              <a:buNone/>
+              <a:defRPr sz="1575">
                 <a:solidFill>
                   <a:schemeClr val="tx1">
                     <a:tint val="75000"/>
@@ -910,9 +912,9 @@
                 </a:solidFill>
               </a:defRPr>
             </a:lvl2pPr>
-            <a:lvl3pPr marL="853410" indent="0">
-              <a:buNone/>
-              <a:defRPr sz="1680">
+            <a:lvl3pPr marL="720090" indent="0">
+              <a:buNone/>
+              <a:defRPr sz="1418">
                 <a:solidFill>
                   <a:schemeClr val="tx1">
                     <a:tint val="75000"/>
@@ -920,9 +922,9 @@
                 </a:solidFill>
               </a:defRPr>
             </a:lvl3pPr>
-            <a:lvl4pPr marL="1280114" indent="0">
-              <a:buNone/>
-              <a:defRPr sz="1493">
+            <a:lvl4pPr marL="1080135" indent="0">
+              <a:buNone/>
+              <a:defRPr sz="1260">
                 <a:solidFill>
                   <a:schemeClr val="tx1">
                     <a:tint val="75000"/>
@@ -930,9 +932,9 @@
                 </a:solidFill>
               </a:defRPr>
             </a:lvl4pPr>
-            <a:lvl5pPr marL="1706819" indent="0">
-              <a:buNone/>
-              <a:defRPr sz="1493">
+            <a:lvl5pPr marL="1440180" indent="0">
+              <a:buNone/>
+              <a:defRPr sz="1260">
                 <a:solidFill>
                   <a:schemeClr val="tx1">
                     <a:tint val="75000"/>
@@ -940,9 +942,9 @@
                 </a:solidFill>
               </a:defRPr>
             </a:lvl5pPr>
-            <a:lvl6pPr marL="2133524" indent="0">
-              <a:buNone/>
-              <a:defRPr sz="1493">
+            <a:lvl6pPr marL="1800225" indent="0">
+              <a:buNone/>
+              <a:defRPr sz="1260">
                 <a:solidFill>
                   <a:schemeClr val="tx1">
                     <a:tint val="75000"/>
@@ -950,9 +952,9 @@
                 </a:solidFill>
               </a:defRPr>
             </a:lvl6pPr>
-            <a:lvl7pPr marL="2560229" indent="0">
-              <a:buNone/>
-              <a:defRPr sz="1493">
+            <a:lvl7pPr marL="2160270" indent="0">
+              <a:buNone/>
+              <a:defRPr sz="1260">
                 <a:solidFill>
                   <a:schemeClr val="tx1">
                     <a:tint val="75000"/>
@@ -960,9 +962,9 @@
                 </a:solidFill>
               </a:defRPr>
             </a:lvl7pPr>
-            <a:lvl8pPr marL="2986933" indent="0">
-              <a:buNone/>
-              <a:defRPr sz="1493">
+            <a:lvl8pPr marL="2520315" indent="0">
+              <a:buNone/>
+              <a:defRPr sz="1260">
                 <a:solidFill>
                   <a:schemeClr val="tx1">
                     <a:tint val="75000"/>
@@ -970,9 +972,9 @@
                 </a:solidFill>
               </a:defRPr>
             </a:lvl8pPr>
-            <a:lvl9pPr marL="3413638" indent="0">
-              <a:buNone/>
-              <a:defRPr sz="1493">
+            <a:lvl9pPr marL="2880360" indent="0">
+              <a:buNone/>
+              <a:defRPr sz="1260">
                 <a:solidFill>
                   <a:schemeClr val="tx1">
                     <a:tint val="75000"/>
@@ -1007,7 +1009,7 @@
           <a:p>
             <a:fld id="{FEBC60FD-D8E0-5D4D-9347-809F7021C6CE}" type="datetimeFigureOut">
               <a:rPr lang="en-US" smtClean="0"/>
-              <a:t>7/26/21</a:t>
+              <a:t>12/20/21</a:t>
             </a:fld>
             <a:endParaRPr lang="en-US"/>
           </a:p>
@@ -1058,7 +1060,7 @@
     </p:spTree>
     <p:extLst>
       <p:ext uri="{BB962C8B-B14F-4D97-AF65-F5344CB8AC3E}">
-        <p14:creationId xmlns:p14="http://schemas.microsoft.com/office/powerpoint/2010/main" val="2562003169"/>
+        <p14:creationId xmlns:p14="http://schemas.microsoft.com/office/powerpoint/2010/main" val="420833646"/>
       </p:ext>
     </p:extLst>
   </p:cSld>
@@ -1120,8 +1122,8 @@
         </p:nvSpPr>
         <p:spPr>
           <a:xfrm>
-            <a:off x="660083" y="1703917"/>
-            <a:ext cx="4080510" cy="4061249"/>
+            <a:off x="660083" y="1582208"/>
+            <a:ext cx="4080510" cy="3771160"/>
           </a:xfrm>
         </p:spPr>
         <p:txBody>
@@ -1177,8 +1179,8 @@
         </p:nvSpPr>
         <p:spPr>
           <a:xfrm>
-            <a:off x="4860608" y="1703917"/>
-            <a:ext cx="4080510" cy="4061249"/>
+            <a:off x="4860608" y="1582208"/>
+            <a:ext cx="4080510" cy="3771160"/>
           </a:xfrm>
         </p:spPr>
         <p:txBody>
@@ -1239,7 +1241,7 @@
           <a:p>
             <a:fld id="{FEBC60FD-D8E0-5D4D-9347-809F7021C6CE}" type="datetimeFigureOut">
               <a:rPr lang="en-US" smtClean="0"/>
-              <a:t>7/26/21</a:t>
+              <a:t>12/20/21</a:t>
             </a:fld>
             <a:endParaRPr lang="en-US"/>
           </a:p>
@@ -1290,7 +1292,7 @@
     </p:spTree>
     <p:extLst>
       <p:ext uri="{BB962C8B-B14F-4D97-AF65-F5344CB8AC3E}">
-        <p14:creationId xmlns:p14="http://schemas.microsoft.com/office/powerpoint/2010/main" val="3229849488"/>
+        <p14:creationId xmlns:p14="http://schemas.microsoft.com/office/powerpoint/2010/main" val="2720832054"/>
       </p:ext>
     </p:extLst>
   </p:cSld>
@@ -1329,8 +1331,8 @@
         </p:nvSpPr>
         <p:spPr>
           <a:xfrm>
-            <a:off x="661333" y="340785"/>
-            <a:ext cx="8281035" cy="1237192"/>
+            <a:off x="661333" y="316442"/>
+            <a:ext cx="8281035" cy="1148821"/>
           </a:xfrm>
         </p:spPr>
         <p:txBody>
@@ -1357,8 +1359,8 @@
         </p:nvSpPr>
         <p:spPr>
           <a:xfrm>
-            <a:off x="661334" y="1569085"/>
-            <a:ext cx="4061757" cy="768985"/>
+            <a:off x="661334" y="1457008"/>
+            <a:ext cx="4061757" cy="714057"/>
           </a:xfrm>
         </p:spPr>
         <p:txBody>
@@ -1366,39 +1368,39 @@
           <a:lstStyle>
             <a:lvl1pPr marL="0" indent="0">
               <a:buNone/>
-              <a:defRPr sz="2240" b="1"/>
+              <a:defRPr sz="1890" b="1"/>
             </a:lvl1pPr>
-            <a:lvl2pPr marL="426705" indent="0">
-              <a:buNone/>
-              <a:defRPr sz="1867" b="1"/>
+            <a:lvl2pPr marL="360045" indent="0">
+              <a:buNone/>
+              <a:defRPr sz="1575" b="1"/>
             </a:lvl2pPr>
-            <a:lvl3pPr marL="853410" indent="0">
-              <a:buNone/>
-              <a:defRPr sz="1680" b="1"/>
+            <a:lvl3pPr marL="720090" indent="0">
+              <a:buNone/>
+              <a:defRPr sz="1418" b="1"/>
             </a:lvl3pPr>
-            <a:lvl4pPr marL="1280114" indent="0">
-              <a:buNone/>
-              <a:defRPr sz="1493" b="1"/>
+            <a:lvl4pPr marL="1080135" indent="0">
+              <a:buNone/>
+              <a:defRPr sz="1260" b="1"/>
             </a:lvl4pPr>
-            <a:lvl5pPr marL="1706819" indent="0">
-              <a:buNone/>
-              <a:defRPr sz="1493" b="1"/>
+            <a:lvl5pPr marL="1440180" indent="0">
+              <a:buNone/>
+              <a:defRPr sz="1260" b="1"/>
             </a:lvl5pPr>
-            <a:lvl6pPr marL="2133524" indent="0">
-              <a:buNone/>
-              <a:defRPr sz="1493" b="1"/>
+            <a:lvl6pPr marL="1800225" indent="0">
+              <a:buNone/>
+              <a:defRPr sz="1260" b="1"/>
             </a:lvl6pPr>
-            <a:lvl7pPr marL="2560229" indent="0">
-              <a:buNone/>
-              <a:defRPr sz="1493" b="1"/>
+            <a:lvl7pPr marL="2160270" indent="0">
+              <a:buNone/>
+              <a:defRPr sz="1260" b="1"/>
             </a:lvl7pPr>
-            <a:lvl8pPr marL="2986933" indent="0">
-              <a:buNone/>
-              <a:defRPr sz="1493" b="1"/>
+            <a:lvl8pPr marL="2520315" indent="0">
+              <a:buNone/>
+              <a:defRPr sz="1260" b="1"/>
             </a:lvl8pPr>
-            <a:lvl9pPr marL="3413638" indent="0">
-              <a:buNone/>
-              <a:defRPr sz="1493" b="1"/>
+            <a:lvl9pPr marL="2880360" indent="0">
+              <a:buNone/>
+              <a:defRPr sz="1260" b="1"/>
             </a:lvl9pPr>
           </a:lstStyle>
           <a:p>
@@ -1422,8 +1424,8 @@
         </p:nvSpPr>
         <p:spPr>
           <a:xfrm>
-            <a:off x="661334" y="2338070"/>
-            <a:ext cx="4061757" cy="3438949"/>
+            <a:off x="661334" y="2171065"/>
+            <a:ext cx="4061757" cy="3193310"/>
           </a:xfrm>
         </p:spPr>
         <p:txBody>
@@ -1479,8 +1481,8 @@
         </p:nvSpPr>
         <p:spPr>
           <a:xfrm>
-            <a:off x="4860608" y="1569085"/>
-            <a:ext cx="4081761" cy="768985"/>
+            <a:off x="4860607" y="1457008"/>
+            <a:ext cx="4081761" cy="714057"/>
           </a:xfrm>
         </p:spPr>
         <p:txBody>
@@ -1488,39 +1490,39 @@
           <a:lstStyle>
             <a:lvl1pPr marL="0" indent="0">
               <a:buNone/>
-              <a:defRPr sz="2240" b="1"/>
+              <a:defRPr sz="1890" b="1"/>
             </a:lvl1pPr>
-            <a:lvl2pPr marL="426705" indent="0">
-              <a:buNone/>
-              <a:defRPr sz="1867" b="1"/>
+            <a:lvl2pPr marL="360045" indent="0">
+              <a:buNone/>
+              <a:defRPr sz="1575" b="1"/>
             </a:lvl2pPr>
-            <a:lvl3pPr marL="853410" indent="0">
-              <a:buNone/>
-              <a:defRPr sz="1680" b="1"/>
+            <a:lvl3pPr marL="720090" indent="0">
+              <a:buNone/>
+              <a:defRPr sz="1418" b="1"/>
             </a:lvl3pPr>
-            <a:lvl4pPr marL="1280114" indent="0">
-              <a:buNone/>
-              <a:defRPr sz="1493" b="1"/>
+            <a:lvl4pPr marL="1080135" indent="0">
+              <a:buNone/>
+              <a:defRPr sz="1260" b="1"/>
             </a:lvl4pPr>
-            <a:lvl5pPr marL="1706819" indent="0">
-              <a:buNone/>
-              <a:defRPr sz="1493" b="1"/>
+            <a:lvl5pPr marL="1440180" indent="0">
+              <a:buNone/>
+              <a:defRPr sz="1260" b="1"/>
             </a:lvl5pPr>
-            <a:lvl6pPr marL="2133524" indent="0">
-              <a:buNone/>
-              <a:defRPr sz="1493" b="1"/>
+            <a:lvl6pPr marL="1800225" indent="0">
+              <a:buNone/>
+              <a:defRPr sz="1260" b="1"/>
             </a:lvl6pPr>
-            <a:lvl7pPr marL="2560229" indent="0">
-              <a:buNone/>
-              <a:defRPr sz="1493" b="1"/>
+            <a:lvl7pPr marL="2160270" indent="0">
+              <a:buNone/>
+              <a:defRPr sz="1260" b="1"/>
             </a:lvl7pPr>
-            <a:lvl8pPr marL="2986933" indent="0">
-              <a:buNone/>
-              <a:defRPr sz="1493" b="1"/>
+            <a:lvl8pPr marL="2520315" indent="0">
+              <a:buNone/>
+              <a:defRPr sz="1260" b="1"/>
             </a:lvl8pPr>
-            <a:lvl9pPr marL="3413638" indent="0">
-              <a:buNone/>
-              <a:defRPr sz="1493" b="1"/>
+            <a:lvl9pPr marL="2880360" indent="0">
+              <a:buNone/>
+              <a:defRPr sz="1260" b="1"/>
             </a:lvl9pPr>
           </a:lstStyle>
           <a:p>
@@ -1544,8 +1546,8 @@
         </p:nvSpPr>
         <p:spPr>
           <a:xfrm>
-            <a:off x="4860608" y="2338070"/>
-            <a:ext cx="4081761" cy="3438949"/>
+            <a:off x="4860607" y="2171065"/>
+            <a:ext cx="4081761" cy="3193310"/>
           </a:xfrm>
         </p:spPr>
         <p:txBody>
@@ -1606,7 +1608,7 @@
           <a:p>
             <a:fld id="{FEBC60FD-D8E0-5D4D-9347-809F7021C6CE}" type="datetimeFigureOut">
               <a:rPr lang="en-US" smtClean="0"/>
-              <a:t>7/26/21</a:t>
+              <a:t>12/20/21</a:t>
             </a:fld>
             <a:endParaRPr lang="en-US"/>
           </a:p>
@@ -1657,7 +1659,7 @@
     </p:spTree>
     <p:extLst>
       <p:ext uri="{BB962C8B-B14F-4D97-AF65-F5344CB8AC3E}">
-        <p14:creationId xmlns:p14="http://schemas.microsoft.com/office/powerpoint/2010/main" val="3843259434"/>
+        <p14:creationId xmlns:p14="http://schemas.microsoft.com/office/powerpoint/2010/main" val="262171368"/>
       </p:ext>
     </p:extLst>
   </p:cSld>
@@ -1724,7 +1726,7 @@
           <a:p>
             <a:fld id="{FEBC60FD-D8E0-5D4D-9347-809F7021C6CE}" type="datetimeFigureOut">
               <a:rPr lang="en-US" smtClean="0"/>
-              <a:t>7/26/21</a:t>
+              <a:t>12/20/21</a:t>
             </a:fld>
             <a:endParaRPr lang="en-US"/>
           </a:p>
@@ -1775,7 +1777,7 @@
     </p:spTree>
     <p:extLst>
       <p:ext uri="{BB962C8B-B14F-4D97-AF65-F5344CB8AC3E}">
-        <p14:creationId xmlns:p14="http://schemas.microsoft.com/office/powerpoint/2010/main" val="2580683827"/>
+        <p14:creationId xmlns:p14="http://schemas.microsoft.com/office/powerpoint/2010/main" val="2292996903"/>
       </p:ext>
     </p:extLst>
   </p:cSld>
@@ -1819,7 +1821,7 @@
           <a:p>
             <a:fld id="{FEBC60FD-D8E0-5D4D-9347-809F7021C6CE}" type="datetimeFigureOut">
               <a:rPr lang="en-US" smtClean="0"/>
-              <a:t>7/26/21</a:t>
+              <a:t>12/20/21</a:t>
             </a:fld>
             <a:endParaRPr lang="en-US"/>
           </a:p>
@@ -1870,7 +1872,7 @@
     </p:spTree>
     <p:extLst>
       <p:ext uri="{BB962C8B-B14F-4D97-AF65-F5344CB8AC3E}">
-        <p14:creationId xmlns:p14="http://schemas.microsoft.com/office/powerpoint/2010/main" val="2335887563"/>
+        <p14:creationId xmlns:p14="http://schemas.microsoft.com/office/powerpoint/2010/main" val="421073350"/>
       </p:ext>
     </p:extLst>
   </p:cSld>
@@ -1909,15 +1911,15 @@
         </p:nvSpPr>
         <p:spPr>
           <a:xfrm>
-            <a:off x="661333" y="426720"/>
-            <a:ext cx="3096637" cy="1493520"/>
+            <a:off x="661333" y="396240"/>
+            <a:ext cx="3096637" cy="1386840"/>
           </a:xfrm>
         </p:spPr>
         <p:txBody>
           <a:bodyPr anchor="b"/>
           <a:lstStyle>
             <a:lvl1pPr>
-              <a:defRPr sz="2987"/>
+              <a:defRPr sz="2520"/>
             </a:lvl1pPr>
           </a:lstStyle>
           <a:p>
@@ -1941,39 +1943,39 @@
         </p:nvSpPr>
         <p:spPr>
           <a:xfrm>
-            <a:off x="4081760" y="921598"/>
-            <a:ext cx="4860608" cy="4548717"/>
+            <a:off x="4081760" y="855769"/>
+            <a:ext cx="4860608" cy="4223808"/>
           </a:xfrm>
         </p:spPr>
         <p:txBody>
           <a:bodyPr/>
           <a:lstStyle>
             <a:lvl1pPr>
-              <a:defRPr sz="2987"/>
+              <a:defRPr sz="2520"/>
             </a:lvl1pPr>
             <a:lvl2pPr>
-              <a:defRPr sz="2613"/>
+              <a:defRPr sz="2205"/>
             </a:lvl2pPr>
             <a:lvl3pPr>
-              <a:defRPr sz="2240"/>
+              <a:defRPr sz="1890"/>
             </a:lvl3pPr>
             <a:lvl4pPr>
-              <a:defRPr sz="1867"/>
+              <a:defRPr sz="1575"/>
             </a:lvl4pPr>
             <a:lvl5pPr>
-              <a:defRPr sz="1867"/>
+              <a:defRPr sz="1575"/>
             </a:lvl5pPr>
             <a:lvl6pPr>
-              <a:defRPr sz="1867"/>
+              <a:defRPr sz="1575"/>
             </a:lvl6pPr>
             <a:lvl7pPr>
-              <a:defRPr sz="1867"/>
+              <a:defRPr sz="1575"/>
             </a:lvl7pPr>
             <a:lvl8pPr>
-              <a:defRPr sz="1867"/>
+              <a:defRPr sz="1575"/>
             </a:lvl8pPr>
             <a:lvl9pPr>
-              <a:defRPr sz="1867"/>
+              <a:defRPr sz="1575"/>
             </a:lvl9pPr>
           </a:lstStyle>
           <a:p>
@@ -2026,8 +2028,8 @@
         </p:nvSpPr>
         <p:spPr>
           <a:xfrm>
-            <a:off x="661333" y="1920240"/>
-            <a:ext cx="3096637" cy="3557482"/>
+            <a:off x="661333" y="1783080"/>
+            <a:ext cx="3096637" cy="3303376"/>
           </a:xfrm>
         </p:spPr>
         <p:txBody>
@@ -2035,39 +2037,39 @@
           <a:lstStyle>
             <a:lvl1pPr marL="0" indent="0">
               <a:buNone/>
-              <a:defRPr sz="1493"/>
+              <a:defRPr sz="1260"/>
             </a:lvl1pPr>
-            <a:lvl2pPr marL="426705" indent="0">
-              <a:buNone/>
-              <a:defRPr sz="1307"/>
+            <a:lvl2pPr marL="360045" indent="0">
+              <a:buNone/>
+              <a:defRPr sz="1103"/>
             </a:lvl2pPr>
-            <a:lvl3pPr marL="853410" indent="0">
-              <a:buNone/>
-              <a:defRPr sz="1120"/>
+            <a:lvl3pPr marL="720090" indent="0">
+              <a:buNone/>
+              <a:defRPr sz="945"/>
             </a:lvl3pPr>
-            <a:lvl4pPr marL="1280114" indent="0">
-              <a:buNone/>
-              <a:defRPr sz="933"/>
+            <a:lvl4pPr marL="1080135" indent="0">
+              <a:buNone/>
+              <a:defRPr sz="788"/>
             </a:lvl4pPr>
-            <a:lvl5pPr marL="1706819" indent="0">
-              <a:buNone/>
-              <a:defRPr sz="933"/>
+            <a:lvl5pPr marL="1440180" indent="0">
+              <a:buNone/>
+              <a:defRPr sz="788"/>
             </a:lvl5pPr>
-            <a:lvl6pPr marL="2133524" indent="0">
-              <a:buNone/>
-              <a:defRPr sz="933"/>
+            <a:lvl6pPr marL="1800225" indent="0">
+              <a:buNone/>
+              <a:defRPr sz="788"/>
             </a:lvl6pPr>
-            <a:lvl7pPr marL="2560229" indent="0">
-              <a:buNone/>
-              <a:defRPr sz="933"/>
+            <a:lvl7pPr marL="2160270" indent="0">
+              <a:buNone/>
+              <a:defRPr sz="788"/>
             </a:lvl7pPr>
-            <a:lvl8pPr marL="2986933" indent="0">
-              <a:buNone/>
-              <a:defRPr sz="933"/>
+            <a:lvl8pPr marL="2520315" indent="0">
+              <a:buNone/>
+              <a:defRPr sz="788"/>
             </a:lvl8pPr>
-            <a:lvl9pPr marL="3413638" indent="0">
-              <a:buNone/>
-              <a:defRPr sz="933"/>
+            <a:lvl9pPr marL="2880360" indent="0">
+              <a:buNone/>
+              <a:defRPr sz="788"/>
             </a:lvl9pPr>
           </a:lstStyle>
           <a:p>
@@ -2096,7 +2098,7 @@
           <a:p>
             <a:fld id="{FEBC60FD-D8E0-5D4D-9347-809F7021C6CE}" type="datetimeFigureOut">
               <a:rPr lang="en-US" smtClean="0"/>
-              <a:t>7/26/21</a:t>
+              <a:t>12/20/21</a:t>
             </a:fld>
             <a:endParaRPr lang="en-US"/>
           </a:p>
@@ -2147,7 +2149,7 @@
     </p:spTree>
     <p:extLst>
       <p:ext uri="{BB962C8B-B14F-4D97-AF65-F5344CB8AC3E}">
-        <p14:creationId xmlns:p14="http://schemas.microsoft.com/office/powerpoint/2010/main" val="4068499702"/>
+        <p14:creationId xmlns:p14="http://schemas.microsoft.com/office/powerpoint/2010/main" val="2486869655"/>
       </p:ext>
     </p:extLst>
   </p:cSld>
@@ -2186,15 +2188,15 @@
         </p:nvSpPr>
         <p:spPr>
           <a:xfrm>
-            <a:off x="661333" y="426720"/>
-            <a:ext cx="3096637" cy="1493520"/>
+            <a:off x="661333" y="396240"/>
+            <a:ext cx="3096637" cy="1386840"/>
           </a:xfrm>
         </p:spPr>
         <p:txBody>
           <a:bodyPr anchor="b"/>
           <a:lstStyle>
             <a:lvl1pPr>
-              <a:defRPr sz="2987"/>
+              <a:defRPr sz="2520"/>
             </a:lvl1pPr>
           </a:lstStyle>
           <a:p>
@@ -2218,8 +2220,8 @@
         </p:nvSpPr>
         <p:spPr>
           <a:xfrm>
-            <a:off x="4081760" y="921598"/>
-            <a:ext cx="4860608" cy="4548717"/>
+            <a:off x="4081760" y="855769"/>
+            <a:ext cx="4860608" cy="4223808"/>
           </a:xfrm>
         </p:spPr>
         <p:txBody>
@@ -2227,39 +2229,39 @@
           <a:lstStyle>
             <a:lvl1pPr marL="0" indent="0">
               <a:buNone/>
-              <a:defRPr sz="2987"/>
+              <a:defRPr sz="2520"/>
             </a:lvl1pPr>
-            <a:lvl2pPr marL="426705" indent="0">
-              <a:buNone/>
-              <a:defRPr sz="2613"/>
+            <a:lvl2pPr marL="360045" indent="0">
+              <a:buNone/>
+              <a:defRPr sz="2205"/>
             </a:lvl2pPr>
-            <a:lvl3pPr marL="853410" indent="0">
-              <a:buNone/>
-              <a:defRPr sz="2240"/>
+            <a:lvl3pPr marL="720090" indent="0">
+              <a:buNone/>
+              <a:defRPr sz="1890"/>
             </a:lvl3pPr>
-            <a:lvl4pPr marL="1280114" indent="0">
-              <a:buNone/>
-              <a:defRPr sz="1867"/>
+            <a:lvl4pPr marL="1080135" indent="0">
+              <a:buNone/>
+              <a:defRPr sz="1575"/>
             </a:lvl4pPr>
-            <a:lvl5pPr marL="1706819" indent="0">
-              <a:buNone/>
-              <a:defRPr sz="1867"/>
+            <a:lvl5pPr marL="1440180" indent="0">
+              <a:buNone/>
+              <a:defRPr sz="1575"/>
             </a:lvl5pPr>
-            <a:lvl6pPr marL="2133524" indent="0">
-              <a:buNone/>
-              <a:defRPr sz="1867"/>
+            <a:lvl6pPr marL="1800225" indent="0">
+              <a:buNone/>
+              <a:defRPr sz="1575"/>
             </a:lvl6pPr>
-            <a:lvl7pPr marL="2560229" indent="0">
-              <a:buNone/>
-              <a:defRPr sz="1867"/>
+            <a:lvl7pPr marL="2160270" indent="0">
+              <a:buNone/>
+              <a:defRPr sz="1575"/>
             </a:lvl7pPr>
-            <a:lvl8pPr marL="2986933" indent="0">
-              <a:buNone/>
-              <a:defRPr sz="1867"/>
+            <a:lvl8pPr marL="2520315" indent="0">
+              <a:buNone/>
+              <a:defRPr sz="1575"/>
             </a:lvl8pPr>
-            <a:lvl9pPr marL="3413638" indent="0">
-              <a:buNone/>
-              <a:defRPr sz="1867"/>
+            <a:lvl9pPr marL="2880360" indent="0">
+              <a:buNone/>
+              <a:defRPr sz="1575"/>
             </a:lvl9pPr>
           </a:lstStyle>
           <a:p>
@@ -2283,8 +2285,8 @@
         </p:nvSpPr>
         <p:spPr>
           <a:xfrm>
-            <a:off x="661333" y="1920240"/>
-            <a:ext cx="3096637" cy="3557482"/>
+            <a:off x="661333" y="1783080"/>
+            <a:ext cx="3096637" cy="3303376"/>
           </a:xfrm>
         </p:spPr>
         <p:txBody>
@@ -2292,39 +2294,39 @@
           <a:lstStyle>
             <a:lvl1pPr marL="0" indent="0">
               <a:buNone/>
-              <a:defRPr sz="1493"/>
+              <a:defRPr sz="1260"/>
             </a:lvl1pPr>
-            <a:lvl2pPr marL="426705" indent="0">
-              <a:buNone/>
-              <a:defRPr sz="1307"/>
+            <a:lvl2pPr marL="360045" indent="0">
+              <a:buNone/>
+              <a:defRPr sz="1103"/>
             </a:lvl2pPr>
-            <a:lvl3pPr marL="853410" indent="0">
-              <a:buNone/>
-              <a:defRPr sz="1120"/>
+            <a:lvl3pPr marL="720090" indent="0">
+              <a:buNone/>
+              <a:defRPr sz="945"/>
             </a:lvl3pPr>
-            <a:lvl4pPr marL="1280114" indent="0">
-              <a:buNone/>
-              <a:defRPr sz="933"/>
+            <a:lvl4pPr marL="1080135" indent="0">
+              <a:buNone/>
+              <a:defRPr sz="788"/>
             </a:lvl4pPr>
-            <a:lvl5pPr marL="1706819" indent="0">
-              <a:buNone/>
-              <a:defRPr sz="933"/>
+            <a:lvl5pPr marL="1440180" indent="0">
+              <a:buNone/>
+              <a:defRPr sz="788"/>
             </a:lvl5pPr>
-            <a:lvl6pPr marL="2133524" indent="0">
-              <a:buNone/>
-              <a:defRPr sz="933"/>
+            <a:lvl6pPr marL="1800225" indent="0">
+              <a:buNone/>
+              <a:defRPr sz="788"/>
             </a:lvl6pPr>
-            <a:lvl7pPr marL="2560229" indent="0">
-              <a:buNone/>
-              <a:defRPr sz="933"/>
+            <a:lvl7pPr marL="2160270" indent="0">
+              <a:buNone/>
+              <a:defRPr sz="788"/>
             </a:lvl7pPr>
-            <a:lvl8pPr marL="2986933" indent="0">
-              <a:buNone/>
-              <a:defRPr sz="933"/>
+            <a:lvl8pPr marL="2520315" indent="0">
+              <a:buNone/>
+              <a:defRPr sz="788"/>
             </a:lvl8pPr>
-            <a:lvl9pPr marL="3413638" indent="0">
-              <a:buNone/>
-              <a:defRPr sz="933"/>
+            <a:lvl9pPr marL="2880360" indent="0">
+              <a:buNone/>
+              <a:defRPr sz="788"/>
             </a:lvl9pPr>
           </a:lstStyle>
           <a:p>
@@ -2353,7 +2355,7 @@
           <a:p>
             <a:fld id="{FEBC60FD-D8E0-5D4D-9347-809F7021C6CE}" type="datetimeFigureOut">
               <a:rPr lang="en-US" smtClean="0"/>
-              <a:t>7/26/21</a:t>
+              <a:t>12/20/21</a:t>
             </a:fld>
             <a:endParaRPr lang="en-US"/>
           </a:p>
@@ -2404,7 +2406,7 @@
     </p:spTree>
     <p:extLst>
       <p:ext uri="{BB962C8B-B14F-4D97-AF65-F5344CB8AC3E}">
-        <p14:creationId xmlns:p14="http://schemas.microsoft.com/office/powerpoint/2010/main" val="3065350811"/>
+        <p14:creationId xmlns:p14="http://schemas.microsoft.com/office/powerpoint/2010/main" val="3231216018"/>
       </p:ext>
     </p:extLst>
   </p:cSld>
@@ -2448,8 +2450,8 @@
         </p:nvSpPr>
         <p:spPr>
           <a:xfrm>
-            <a:off x="660083" y="340785"/>
-            <a:ext cx="8281035" cy="1237192"/>
+            <a:off x="660083" y="316442"/>
+            <a:ext cx="8281035" cy="1148821"/>
           </a:xfrm>
           <a:prstGeom prst="rect">
             <a:avLst/>
@@ -2481,8 +2483,8 @@
         </p:nvSpPr>
         <p:spPr>
           <a:xfrm>
-            <a:off x="660083" y="1703917"/>
-            <a:ext cx="8281035" cy="4061249"/>
+            <a:off x="660083" y="1582208"/>
+            <a:ext cx="8281035" cy="3771160"/>
           </a:xfrm>
           <a:prstGeom prst="rect">
             <a:avLst/>
@@ -2543,8 +2545,8 @@
         </p:nvSpPr>
         <p:spPr>
           <a:xfrm>
-            <a:off x="660083" y="5932595"/>
-            <a:ext cx="2160270" cy="340783"/>
+            <a:off x="660083" y="5508837"/>
+            <a:ext cx="2160270" cy="316442"/>
           </a:xfrm>
           <a:prstGeom prst="rect">
             <a:avLst/>
@@ -2554,7 +2556,7 @@
           <a:bodyPr vert="horz" lIns="91440" tIns="45720" rIns="91440" bIns="45720" rtlCol="0" anchor="ctr"/>
           <a:lstStyle>
             <a:lvl1pPr algn="l">
-              <a:defRPr sz="1120">
+              <a:defRPr sz="945">
                 <a:solidFill>
                   <a:schemeClr val="tx1">
                     <a:tint val="75000"/>
@@ -2566,7 +2568,7 @@
           <a:p>
             <a:fld id="{FEBC60FD-D8E0-5D4D-9347-809F7021C6CE}" type="datetimeFigureOut">
               <a:rPr lang="en-US" smtClean="0"/>
-              <a:t>7/26/21</a:t>
+              <a:t>12/20/21</a:t>
             </a:fld>
             <a:endParaRPr lang="en-US"/>
           </a:p>
@@ -2584,8 +2586,8 @@
         </p:nvSpPr>
         <p:spPr>
           <a:xfrm>
-            <a:off x="3180398" y="5932595"/>
-            <a:ext cx="3240405" cy="340783"/>
+            <a:off x="3180398" y="5508837"/>
+            <a:ext cx="3240405" cy="316442"/>
           </a:xfrm>
           <a:prstGeom prst="rect">
             <a:avLst/>
@@ -2595,7 +2597,7 @@
           <a:bodyPr vert="horz" lIns="91440" tIns="45720" rIns="91440" bIns="45720" rtlCol="0" anchor="ctr"/>
           <a:lstStyle>
             <a:lvl1pPr algn="ctr">
-              <a:defRPr sz="1120">
+              <a:defRPr sz="945">
                 <a:solidFill>
                   <a:schemeClr val="tx1">
                     <a:tint val="75000"/>
@@ -2621,8 +2623,8 @@
         </p:nvSpPr>
         <p:spPr>
           <a:xfrm>
-            <a:off x="6780848" y="5932595"/>
-            <a:ext cx="2160270" cy="340783"/>
+            <a:off x="6780848" y="5508837"/>
+            <a:ext cx="2160270" cy="316442"/>
           </a:xfrm>
           <a:prstGeom prst="rect">
             <a:avLst/>
@@ -2632,7 +2634,7 @@
           <a:bodyPr vert="horz" lIns="91440" tIns="45720" rIns="91440" bIns="45720" rtlCol="0" anchor="ctr"/>
           <a:lstStyle>
             <a:lvl1pPr algn="r">
-              <a:defRPr sz="1120">
+              <a:defRPr sz="945">
                 <a:solidFill>
                   <a:schemeClr val="tx1">
                     <a:tint val="75000"/>
@@ -2653,27 +2655,27 @@
     </p:spTree>
     <p:extLst>
       <p:ext uri="{BB962C8B-B14F-4D97-AF65-F5344CB8AC3E}">
-        <p14:creationId xmlns:p14="http://schemas.microsoft.com/office/powerpoint/2010/main" val="3481273911"/>
+        <p14:creationId xmlns:p14="http://schemas.microsoft.com/office/powerpoint/2010/main" val="2629834359"/>
       </p:ext>
     </p:extLst>
   </p:cSld>
   <p:clrMap bg1="lt1" tx1="dk1" bg2="lt2" tx2="dk2" accent1="accent1" accent2="accent2" accent3="accent3" accent4="accent4" accent5="accent5" accent6="accent6" hlink="hlink" folHlink="folHlink"/>
   <p:sldLayoutIdLst>
-    <p:sldLayoutId id="2147483685" r:id="rId1"/>
-    <p:sldLayoutId id="2147483686" r:id="rId2"/>
-    <p:sldLayoutId id="2147483687" r:id="rId3"/>
-    <p:sldLayoutId id="2147483688" r:id="rId4"/>
-    <p:sldLayoutId id="2147483689" r:id="rId5"/>
-    <p:sldLayoutId id="2147483690" r:id="rId6"/>
-    <p:sldLayoutId id="2147483691" r:id="rId7"/>
-    <p:sldLayoutId id="2147483692" r:id="rId8"/>
-    <p:sldLayoutId id="2147483693" r:id="rId9"/>
-    <p:sldLayoutId id="2147483694" r:id="rId10"/>
-    <p:sldLayoutId id="2147483695" r:id="rId11"/>
+    <p:sldLayoutId id="2147483697" r:id="rId1"/>
+    <p:sldLayoutId id="2147483698" r:id="rId2"/>
+    <p:sldLayoutId id="2147483699" r:id="rId3"/>
+    <p:sldLayoutId id="2147483700" r:id="rId4"/>
+    <p:sldLayoutId id="2147483701" r:id="rId5"/>
+    <p:sldLayoutId id="2147483702" r:id="rId6"/>
+    <p:sldLayoutId id="2147483703" r:id="rId7"/>
+    <p:sldLayoutId id="2147483704" r:id="rId8"/>
+    <p:sldLayoutId id="2147483705" r:id="rId9"/>
+    <p:sldLayoutId id="2147483706" r:id="rId10"/>
+    <p:sldLayoutId id="2147483707" r:id="rId11"/>
   </p:sldLayoutIdLst>
   <p:txStyles>
     <p:titleStyle>
-      <a:lvl1pPr algn="l" defTabSz="853410" rtl="0" eaLnBrk="1" latinLnBrk="0" hangingPunct="1">
+      <a:lvl1pPr algn="l" defTabSz="720090" rtl="0" eaLnBrk="1" latinLnBrk="0" hangingPunct="1">
         <a:lnSpc>
           <a:spcPct val="90000"/>
         </a:lnSpc>
@@ -2681,7 +2683,7 @@
           <a:spcPct val="0"/>
         </a:spcBef>
         <a:buNone/>
-        <a:defRPr sz="4107" kern="1200">
+        <a:defRPr sz="3465" kern="1200">
           <a:solidFill>
             <a:schemeClr val="tx1"/>
           </a:solidFill>
@@ -2692,16 +2694,16 @@
       </a:lvl1pPr>
     </p:titleStyle>
     <p:bodyStyle>
-      <a:lvl1pPr marL="213352" indent="-213352" algn="l" defTabSz="853410" rtl="0" eaLnBrk="1" latinLnBrk="0" hangingPunct="1">
+      <a:lvl1pPr marL="180023" indent="-180023" algn="l" defTabSz="720090" rtl="0" eaLnBrk="1" latinLnBrk="0" hangingPunct="1">
         <a:lnSpc>
           <a:spcPct val="90000"/>
         </a:lnSpc>
         <a:spcBef>
-          <a:spcPts val="933"/>
+          <a:spcPts val="788"/>
         </a:spcBef>
         <a:buFont typeface="Arial" panose="020B0604020202020204" pitchFamily="34" charset="0"/>
         <a:buChar char="•"/>
-        <a:defRPr sz="2613" kern="1200">
+        <a:defRPr sz="2205" kern="1200">
           <a:solidFill>
             <a:schemeClr val="tx1"/>
           </a:solidFill>
@@ -2710,16 +2712,16 @@
           <a:cs typeface="+mn-cs"/>
         </a:defRPr>
       </a:lvl1pPr>
-      <a:lvl2pPr marL="640057" indent="-213352" algn="l" defTabSz="853410" rtl="0" eaLnBrk="1" latinLnBrk="0" hangingPunct="1">
+      <a:lvl2pPr marL="540068" indent="-180023" algn="l" defTabSz="720090" rtl="0" eaLnBrk="1" latinLnBrk="0" hangingPunct="1">
         <a:lnSpc>
           <a:spcPct val="90000"/>
         </a:lnSpc>
         <a:spcBef>
-          <a:spcPts val="467"/>
+          <a:spcPts val="394"/>
         </a:spcBef>
         <a:buFont typeface="Arial" panose="020B0604020202020204" pitchFamily="34" charset="0"/>
         <a:buChar char="•"/>
-        <a:defRPr sz="2240" kern="1200">
+        <a:defRPr sz="1890" kern="1200">
           <a:solidFill>
             <a:schemeClr val="tx1"/>
           </a:solidFill>
@@ -2728,16 +2730,16 @@
           <a:cs typeface="+mn-cs"/>
         </a:defRPr>
       </a:lvl2pPr>
-      <a:lvl3pPr marL="1066762" indent="-213352" algn="l" defTabSz="853410" rtl="0" eaLnBrk="1" latinLnBrk="0" hangingPunct="1">
+      <a:lvl3pPr marL="900113" indent="-180023" algn="l" defTabSz="720090" rtl="0" eaLnBrk="1" latinLnBrk="0" hangingPunct="1">
         <a:lnSpc>
           <a:spcPct val="90000"/>
         </a:lnSpc>
         <a:spcBef>
-          <a:spcPts val="467"/>
+          <a:spcPts val="394"/>
         </a:spcBef>
         <a:buFont typeface="Arial" panose="020B0604020202020204" pitchFamily="34" charset="0"/>
         <a:buChar char="•"/>
-        <a:defRPr sz="1867" kern="1200">
+        <a:defRPr sz="1575" kern="1200">
           <a:solidFill>
             <a:schemeClr val="tx1"/>
           </a:solidFill>
@@ -2746,16 +2748,16 @@
           <a:cs typeface="+mn-cs"/>
         </a:defRPr>
       </a:lvl3pPr>
-      <a:lvl4pPr marL="1493467" indent="-213352" algn="l" defTabSz="853410" rtl="0" eaLnBrk="1" latinLnBrk="0" hangingPunct="1">
+      <a:lvl4pPr marL="1260158" indent="-180023" algn="l" defTabSz="720090" rtl="0" eaLnBrk="1" latinLnBrk="0" hangingPunct="1">
         <a:lnSpc>
           <a:spcPct val="90000"/>
         </a:lnSpc>
         <a:spcBef>
-          <a:spcPts val="467"/>
+          <a:spcPts val="394"/>
         </a:spcBef>
         <a:buFont typeface="Arial" panose="020B0604020202020204" pitchFamily="34" charset="0"/>
         <a:buChar char="•"/>
-        <a:defRPr sz="1680" kern="1200">
+        <a:defRPr sz="1418" kern="1200">
           <a:solidFill>
             <a:schemeClr val="tx1"/>
           </a:solidFill>
@@ -2764,16 +2766,16 @@
           <a:cs typeface="+mn-cs"/>
         </a:defRPr>
       </a:lvl4pPr>
-      <a:lvl5pPr marL="1920171" indent="-213352" algn="l" defTabSz="853410" rtl="0" eaLnBrk="1" latinLnBrk="0" hangingPunct="1">
+      <a:lvl5pPr marL="1620203" indent="-180023" algn="l" defTabSz="720090" rtl="0" eaLnBrk="1" latinLnBrk="0" hangingPunct="1">
         <a:lnSpc>
           <a:spcPct val="90000"/>
         </a:lnSpc>
         <a:spcBef>
-          <a:spcPts val="467"/>
+          <a:spcPts val="394"/>
         </a:spcBef>
         <a:buFont typeface="Arial" panose="020B0604020202020204" pitchFamily="34" charset="0"/>
         <a:buChar char="•"/>
-        <a:defRPr sz="1680" kern="1200">
+        <a:defRPr sz="1418" kern="1200">
           <a:solidFill>
             <a:schemeClr val="tx1"/>
           </a:solidFill>
@@ -2782,16 +2784,16 @@
           <a:cs typeface="+mn-cs"/>
         </a:defRPr>
       </a:lvl5pPr>
-      <a:lvl6pPr marL="2346876" indent="-213352" algn="l" defTabSz="853410" rtl="0" eaLnBrk="1" latinLnBrk="0" hangingPunct="1">
+      <a:lvl6pPr marL="1980248" indent="-180023" algn="l" defTabSz="720090" rtl="0" eaLnBrk="1" latinLnBrk="0" hangingPunct="1">
         <a:lnSpc>
           <a:spcPct val="90000"/>
         </a:lnSpc>
         <a:spcBef>
-          <a:spcPts val="467"/>
+          <a:spcPts val="394"/>
         </a:spcBef>
         <a:buFont typeface="Arial" panose="020B0604020202020204" pitchFamily="34" charset="0"/>
         <a:buChar char="•"/>
-        <a:defRPr sz="1680" kern="1200">
+        <a:defRPr sz="1418" kern="1200">
           <a:solidFill>
             <a:schemeClr val="tx1"/>
           </a:solidFill>
@@ -2800,16 +2802,16 @@
           <a:cs typeface="+mn-cs"/>
         </a:defRPr>
       </a:lvl6pPr>
-      <a:lvl7pPr marL="2773581" indent="-213352" algn="l" defTabSz="853410" rtl="0" eaLnBrk="1" latinLnBrk="0" hangingPunct="1">
+      <a:lvl7pPr marL="2340293" indent="-180023" algn="l" defTabSz="720090" rtl="0" eaLnBrk="1" latinLnBrk="0" hangingPunct="1">
         <a:lnSpc>
           <a:spcPct val="90000"/>
         </a:lnSpc>
         <a:spcBef>
-          <a:spcPts val="467"/>
+          <a:spcPts val="394"/>
         </a:spcBef>
         <a:buFont typeface="Arial" panose="020B0604020202020204" pitchFamily="34" charset="0"/>
         <a:buChar char="•"/>
-        <a:defRPr sz="1680" kern="1200">
+        <a:defRPr sz="1418" kern="1200">
           <a:solidFill>
             <a:schemeClr val="tx1"/>
           </a:solidFill>
@@ -2818,16 +2820,16 @@
           <a:cs typeface="+mn-cs"/>
         </a:defRPr>
       </a:lvl7pPr>
-      <a:lvl8pPr marL="3200286" indent="-213352" algn="l" defTabSz="853410" rtl="0" eaLnBrk="1" latinLnBrk="0" hangingPunct="1">
+      <a:lvl8pPr marL="2700338" indent="-180023" algn="l" defTabSz="720090" rtl="0" eaLnBrk="1" latinLnBrk="0" hangingPunct="1">
         <a:lnSpc>
           <a:spcPct val="90000"/>
         </a:lnSpc>
         <a:spcBef>
-          <a:spcPts val="467"/>
+          <a:spcPts val="394"/>
         </a:spcBef>
         <a:buFont typeface="Arial" panose="020B0604020202020204" pitchFamily="34" charset="0"/>
         <a:buChar char="•"/>
-        <a:defRPr sz="1680" kern="1200">
+        <a:defRPr sz="1418" kern="1200">
           <a:solidFill>
             <a:schemeClr val="tx1"/>
           </a:solidFill>
@@ -2836,16 +2838,16 @@
           <a:cs typeface="+mn-cs"/>
         </a:defRPr>
       </a:lvl8pPr>
-      <a:lvl9pPr marL="3626990" indent="-213352" algn="l" defTabSz="853410" rtl="0" eaLnBrk="1" latinLnBrk="0" hangingPunct="1">
+      <a:lvl9pPr marL="3060383" indent="-180023" algn="l" defTabSz="720090" rtl="0" eaLnBrk="1" latinLnBrk="0" hangingPunct="1">
         <a:lnSpc>
           <a:spcPct val="90000"/>
         </a:lnSpc>
         <a:spcBef>
-          <a:spcPts val="467"/>
+          <a:spcPts val="394"/>
         </a:spcBef>
         <a:buFont typeface="Arial" panose="020B0604020202020204" pitchFamily="34" charset="0"/>
         <a:buChar char="•"/>
-        <a:defRPr sz="1680" kern="1200">
+        <a:defRPr sz="1418" kern="1200">
           <a:solidFill>
             <a:schemeClr val="tx1"/>
           </a:solidFill>
@@ -2859,8 +2861,8 @@
       <a:defPPr>
         <a:defRPr lang="en-US"/>
       </a:defPPr>
-      <a:lvl1pPr marL="0" algn="l" defTabSz="853410" rtl="0" eaLnBrk="1" latinLnBrk="0" hangingPunct="1">
-        <a:defRPr sz="1680" kern="1200">
+      <a:lvl1pPr marL="0" algn="l" defTabSz="720090" rtl="0" eaLnBrk="1" latinLnBrk="0" hangingPunct="1">
+        <a:defRPr sz="1418" kern="1200">
           <a:solidFill>
             <a:schemeClr val="tx1"/>
           </a:solidFill>
@@ -2869,8 +2871,8 @@
           <a:cs typeface="+mn-cs"/>
         </a:defRPr>
       </a:lvl1pPr>
-      <a:lvl2pPr marL="426705" algn="l" defTabSz="853410" rtl="0" eaLnBrk="1" latinLnBrk="0" hangingPunct="1">
-        <a:defRPr sz="1680" kern="1200">
+      <a:lvl2pPr marL="360045" algn="l" defTabSz="720090" rtl="0" eaLnBrk="1" latinLnBrk="0" hangingPunct="1">
+        <a:defRPr sz="1418" kern="1200">
           <a:solidFill>
             <a:schemeClr val="tx1"/>
           </a:solidFill>
@@ -2879,8 +2881,8 @@
           <a:cs typeface="+mn-cs"/>
         </a:defRPr>
       </a:lvl2pPr>
-      <a:lvl3pPr marL="853410" algn="l" defTabSz="853410" rtl="0" eaLnBrk="1" latinLnBrk="0" hangingPunct="1">
-        <a:defRPr sz="1680" kern="1200">
+      <a:lvl3pPr marL="720090" algn="l" defTabSz="720090" rtl="0" eaLnBrk="1" latinLnBrk="0" hangingPunct="1">
+        <a:defRPr sz="1418" kern="1200">
           <a:solidFill>
             <a:schemeClr val="tx1"/>
           </a:solidFill>
@@ -2889,8 +2891,8 @@
           <a:cs typeface="+mn-cs"/>
         </a:defRPr>
       </a:lvl3pPr>
-      <a:lvl4pPr marL="1280114" algn="l" defTabSz="853410" rtl="0" eaLnBrk="1" latinLnBrk="0" hangingPunct="1">
-        <a:defRPr sz="1680" kern="1200">
+      <a:lvl4pPr marL="1080135" algn="l" defTabSz="720090" rtl="0" eaLnBrk="1" latinLnBrk="0" hangingPunct="1">
+        <a:defRPr sz="1418" kern="1200">
           <a:solidFill>
             <a:schemeClr val="tx1"/>
           </a:solidFill>
@@ -2899,8 +2901,8 @@
           <a:cs typeface="+mn-cs"/>
         </a:defRPr>
       </a:lvl4pPr>
-      <a:lvl5pPr marL="1706819" algn="l" defTabSz="853410" rtl="0" eaLnBrk="1" latinLnBrk="0" hangingPunct="1">
-        <a:defRPr sz="1680" kern="1200">
+      <a:lvl5pPr marL="1440180" algn="l" defTabSz="720090" rtl="0" eaLnBrk="1" latinLnBrk="0" hangingPunct="1">
+        <a:defRPr sz="1418" kern="1200">
           <a:solidFill>
             <a:schemeClr val="tx1"/>
           </a:solidFill>
@@ -2909,8 +2911,8 @@
           <a:cs typeface="+mn-cs"/>
         </a:defRPr>
       </a:lvl5pPr>
-      <a:lvl6pPr marL="2133524" algn="l" defTabSz="853410" rtl="0" eaLnBrk="1" latinLnBrk="0" hangingPunct="1">
-        <a:defRPr sz="1680" kern="1200">
+      <a:lvl6pPr marL="1800225" algn="l" defTabSz="720090" rtl="0" eaLnBrk="1" latinLnBrk="0" hangingPunct="1">
+        <a:defRPr sz="1418" kern="1200">
           <a:solidFill>
             <a:schemeClr val="tx1"/>
           </a:solidFill>
@@ -2919,8 +2921,8 @@
           <a:cs typeface="+mn-cs"/>
         </a:defRPr>
       </a:lvl6pPr>
-      <a:lvl7pPr marL="2560229" algn="l" defTabSz="853410" rtl="0" eaLnBrk="1" latinLnBrk="0" hangingPunct="1">
-        <a:defRPr sz="1680" kern="1200">
+      <a:lvl7pPr marL="2160270" algn="l" defTabSz="720090" rtl="0" eaLnBrk="1" latinLnBrk="0" hangingPunct="1">
+        <a:defRPr sz="1418" kern="1200">
           <a:solidFill>
             <a:schemeClr val="tx1"/>
           </a:solidFill>
@@ -2929,8 +2931,8 @@
           <a:cs typeface="+mn-cs"/>
         </a:defRPr>
       </a:lvl7pPr>
-      <a:lvl8pPr marL="2986933" algn="l" defTabSz="853410" rtl="0" eaLnBrk="1" latinLnBrk="0" hangingPunct="1">
-        <a:defRPr sz="1680" kern="1200">
+      <a:lvl8pPr marL="2520315" algn="l" defTabSz="720090" rtl="0" eaLnBrk="1" latinLnBrk="0" hangingPunct="1">
+        <a:defRPr sz="1418" kern="1200">
           <a:solidFill>
             <a:schemeClr val="tx1"/>
           </a:solidFill>
@@ -2939,8 +2941,8 @@
           <a:cs typeface="+mn-cs"/>
         </a:defRPr>
       </a:lvl8pPr>
-      <a:lvl9pPr marL="3413638" algn="l" defTabSz="853410" rtl="0" eaLnBrk="1" latinLnBrk="0" hangingPunct="1">
-        <a:defRPr sz="1680" kern="1200">
+      <a:lvl9pPr marL="2880360" algn="l" defTabSz="720090" rtl="0" eaLnBrk="1" latinLnBrk="0" hangingPunct="1">
+        <a:defRPr sz="1418" kern="1200">
           <a:solidFill>
             <a:schemeClr val="tx1"/>
           </a:solidFill>
@@ -2973,10 +2975,10 @@
       </p:grpSpPr>
       <p:grpSp>
         <p:nvGrpSpPr>
-          <p:cNvPr id="27" name="Group 26">
+          <p:cNvPr id="25" name="Group 24">
             <a:extLst>
               <a:ext uri="{FF2B5EF4-FFF2-40B4-BE49-F238E27FC236}">
-                <a16:creationId xmlns:a16="http://schemas.microsoft.com/office/drawing/2014/main" id="{26CEAABF-67A9-684D-AEAE-BD758329081F}"/>
+                <a16:creationId xmlns:a16="http://schemas.microsoft.com/office/drawing/2014/main" id="{43D3D7F8-3CF3-B14D-B8D8-B594616D52F1}"/>
               </a:ext>
             </a:extLst>
           </p:cNvPr>
@@ -2985,529 +2987,352 @@
         </p:nvGrpSpPr>
         <p:grpSpPr>
           <a:xfrm>
-            <a:off x="72831" y="-15576"/>
-            <a:ext cx="9528369" cy="6413479"/>
-            <a:chOff x="32865" y="35224"/>
-            <a:chExt cx="9528369" cy="6413479"/>
+            <a:off x="434574" y="5615007"/>
+            <a:ext cx="8574950" cy="278680"/>
+            <a:chOff x="368103" y="6170023"/>
+            <a:chExt cx="8574950" cy="278680"/>
           </a:xfrm>
         </p:grpSpPr>
-        <p:grpSp>
-          <p:nvGrpSpPr>
-            <p:cNvPr id="13" name="Group 12">
+        <p:sp>
+          <p:nvSpPr>
+            <p:cNvPr id="17" name="TextBox 16">
               <a:extLst>
                 <a:ext uri="{FF2B5EF4-FFF2-40B4-BE49-F238E27FC236}">
-                  <a16:creationId xmlns:a16="http://schemas.microsoft.com/office/drawing/2014/main" id="{47FC83F9-BCAA-FC44-A4D8-6D3FEA22D89A}"/>
+                  <a16:creationId xmlns:a16="http://schemas.microsoft.com/office/drawing/2014/main" id="{2E8202EF-1E1C-D346-8FF1-1FB97B197E04}"/>
                 </a:ext>
               </a:extLst>
             </p:cNvPr>
-            <p:cNvGrpSpPr/>
+            <p:cNvSpPr txBox="1"/>
             <p:nvPr/>
-          </p:nvGrpSpPr>
-          <p:grpSpPr>
+          </p:nvSpPr>
+          <p:spPr>
             <a:xfrm>
-              <a:off x="32865" y="35224"/>
-              <a:ext cx="9528369" cy="6179459"/>
-              <a:chOff x="32865" y="35224"/>
-              <a:chExt cx="9528369" cy="6179459"/>
+              <a:off x="368103" y="6171704"/>
+              <a:ext cx="840295" cy="276999"/>
             </a:xfrm>
-          </p:grpSpPr>
-          <p:pic>
-            <p:nvPicPr>
-              <p:cNvPr id="6" name="Picture 5">
-                <a:extLst>
-                  <a:ext uri="{FF2B5EF4-FFF2-40B4-BE49-F238E27FC236}">
-                    <a16:creationId xmlns:a16="http://schemas.microsoft.com/office/drawing/2014/main" id="{58B38620-D40C-0845-88C7-1B8959138191}"/>
-                  </a:ext>
-                </a:extLst>
-              </p:cNvPr>
-              <p:cNvPicPr>
-                <a:picLocks noChangeAspect="1"/>
-              </p:cNvPicPr>
-              <p:nvPr/>
-            </p:nvPicPr>
-            <p:blipFill rotWithShape="1">
-              <a:blip r:embed="rId2"/>
-              <a:srcRect r="1797" b="4202"/>
-              <a:stretch/>
-            </p:blipFill>
-            <p:spPr>
-              <a:xfrm>
-                <a:off x="32865" y="182414"/>
-                <a:ext cx="9428635" cy="6032269"/>
-              </a:xfrm>
-              <a:prstGeom prst="rect">
-                <a:avLst/>
-              </a:prstGeom>
-            </p:spPr>
-          </p:pic>
-          <p:sp>
-            <p:nvSpPr>
-              <p:cNvPr id="12" name="Rectangle 11">
-                <a:extLst>
-                  <a:ext uri="{FF2B5EF4-FFF2-40B4-BE49-F238E27FC236}">
-                    <a16:creationId xmlns:a16="http://schemas.microsoft.com/office/drawing/2014/main" id="{C53E0973-1986-5046-AB9B-94B8151B2741}"/>
-                  </a:ext>
-                </a:extLst>
-              </p:cNvPr>
-              <p:cNvSpPr/>
-              <p:nvPr/>
-            </p:nvSpPr>
-            <p:spPr>
-              <a:xfrm>
-                <a:off x="7029392" y="35224"/>
-                <a:ext cx="2531842" cy="435423"/>
-              </a:xfrm>
-              <a:prstGeom prst="rect">
-                <a:avLst/>
-              </a:prstGeom>
-              <a:solidFill>
-                <a:schemeClr val="bg1"/>
-              </a:solidFill>
-              <a:ln>
-                <a:noFill/>
-              </a:ln>
-            </p:spPr>
-            <p:style>
-              <a:lnRef idx="2">
-                <a:schemeClr val="accent1">
-                  <a:shade val="50000"/>
-                </a:schemeClr>
-              </a:lnRef>
-              <a:fillRef idx="1">
-                <a:schemeClr val="accent1"/>
-              </a:fillRef>
-              <a:effectRef idx="0">
-                <a:schemeClr val="accent1"/>
-              </a:effectRef>
-              <a:fontRef idx="minor">
-                <a:schemeClr val="lt1"/>
-              </a:fontRef>
-            </p:style>
-            <p:txBody>
-              <a:bodyPr rot="0" spcFirstLastPara="0" vertOverflow="overflow" horzOverflow="overflow" vert="horz" wrap="square" lIns="91440" tIns="45720" rIns="91440" bIns="45720" numCol="1" spcCol="0" rtlCol="0" fromWordArt="0" anchor="ctr" anchorCtr="0" forceAA="0" compatLnSpc="1">
-                <a:prstTxWarp prst="textNoShape">
-                  <a:avLst/>
-                </a:prstTxWarp>
-                <a:noAutofit/>
-              </a:bodyPr>
-              <a:lstStyle/>
-              <a:p>
-                <a:pPr algn="ctr"/>
-                <a:endParaRPr lang="en-US"/>
-              </a:p>
-            </p:txBody>
-          </p:sp>
-        </p:grpSp>
-        <p:grpSp>
-          <p:nvGrpSpPr>
-            <p:cNvPr id="26" name="Group 25">
+            <a:prstGeom prst="rect">
+              <a:avLst/>
+            </a:prstGeom>
+            <a:noFill/>
+          </p:spPr>
+          <p:txBody>
+            <a:bodyPr wrap="none" rtlCol="0">
+              <a:spAutoFit/>
+            </a:bodyPr>
+            <a:lstStyle/>
+            <a:p>
+              <a:r>
+                <a:rPr lang="en-US" sz="1200" dirty="0">
+                  <a:latin typeface="Arial" panose="020B0604020202020204" pitchFamily="34" charset="0"/>
+                  <a:cs typeface="Arial" panose="020B0604020202020204" pitchFamily="34" charset="0"/>
+                </a:rPr>
+                <a:t>2020-Feb</a:t>
+              </a:r>
+            </a:p>
+          </p:txBody>
+        </p:sp>
+        <p:sp>
+          <p:nvSpPr>
+            <p:cNvPr id="18" name="TextBox 17">
               <a:extLst>
                 <a:ext uri="{FF2B5EF4-FFF2-40B4-BE49-F238E27FC236}">
-                  <a16:creationId xmlns:a16="http://schemas.microsoft.com/office/drawing/2014/main" id="{A928A4AD-CC78-C346-BF4B-5B93DA140143}"/>
+                  <a16:creationId xmlns:a16="http://schemas.microsoft.com/office/drawing/2014/main" id="{79D71567-0727-F449-BCEA-FD2E73962D1A}"/>
                 </a:ext>
               </a:extLst>
             </p:cNvPr>
-            <p:cNvGrpSpPr/>
+            <p:cNvSpPr txBox="1"/>
             <p:nvPr/>
-          </p:nvGrpSpPr>
-          <p:grpSpPr>
+          </p:nvSpPr>
+          <p:spPr>
             <a:xfrm>
-              <a:off x="264310" y="49079"/>
-              <a:ext cx="8705247" cy="6399624"/>
-              <a:chOff x="237806" y="49079"/>
-              <a:chExt cx="8705247" cy="6399624"/>
+              <a:off x="1470589" y="6171704"/>
+              <a:ext cx="814647" cy="276999"/>
             </a:xfrm>
-          </p:grpSpPr>
-          <p:sp>
-            <p:nvSpPr>
-              <p:cNvPr id="7" name="Rectangle 6">
-                <a:extLst>
-                  <a:ext uri="{FF2B5EF4-FFF2-40B4-BE49-F238E27FC236}">
-                    <a16:creationId xmlns:a16="http://schemas.microsoft.com/office/drawing/2014/main" id="{6FA4E80D-2D57-C44A-81FB-EB72C90094CA}"/>
-                  </a:ext>
-                </a:extLst>
-              </p:cNvPr>
-              <p:cNvSpPr/>
-              <p:nvPr/>
-            </p:nvSpPr>
-            <p:spPr>
-              <a:xfrm>
-                <a:off x="237806" y="49079"/>
-                <a:ext cx="2543699" cy="1100893"/>
-              </a:xfrm>
-              <a:prstGeom prst="rect">
-                <a:avLst/>
-              </a:prstGeom>
-              <a:solidFill>
-                <a:schemeClr val="bg1"/>
-              </a:solidFill>
-              <a:ln>
-                <a:noFill/>
-              </a:ln>
-            </p:spPr>
-            <p:style>
-              <a:lnRef idx="2">
-                <a:schemeClr val="accent1">
-                  <a:shade val="50000"/>
-                </a:schemeClr>
-              </a:lnRef>
-              <a:fillRef idx="1">
-                <a:schemeClr val="accent1"/>
-              </a:fillRef>
-              <a:effectRef idx="0">
-                <a:schemeClr val="accent1"/>
-              </a:effectRef>
-              <a:fontRef idx="minor">
-                <a:schemeClr val="lt1"/>
-              </a:fontRef>
-            </p:style>
-            <p:txBody>
-              <a:bodyPr rot="0" spcFirstLastPara="0" vertOverflow="overflow" horzOverflow="overflow" vert="horz" wrap="square" lIns="91440" tIns="45720" rIns="91440" bIns="45720" numCol="1" spcCol="0" rtlCol="0" fromWordArt="0" anchor="ctr" anchorCtr="0" forceAA="0" compatLnSpc="1">
-                <a:prstTxWarp prst="textNoShape">
-                  <a:avLst/>
-                </a:prstTxWarp>
-                <a:noAutofit/>
-              </a:bodyPr>
-              <a:lstStyle/>
-              <a:p>
-                <a:pPr algn="ctr"/>
-                <a:endParaRPr lang="en-US"/>
-              </a:p>
-            </p:txBody>
-          </p:sp>
-          <p:grpSp>
-            <p:nvGrpSpPr>
-              <p:cNvPr id="25" name="Group 24">
-                <a:extLst>
-                  <a:ext uri="{FF2B5EF4-FFF2-40B4-BE49-F238E27FC236}">
-                    <a16:creationId xmlns:a16="http://schemas.microsoft.com/office/drawing/2014/main" id="{43D3D7F8-3CF3-B14D-B8D8-B594616D52F1}"/>
-                  </a:ext>
-                </a:extLst>
-              </p:cNvPr>
-              <p:cNvGrpSpPr/>
-              <p:nvPr/>
-            </p:nvGrpSpPr>
-            <p:grpSpPr>
-              <a:xfrm>
-                <a:off x="656201" y="6170023"/>
-                <a:ext cx="8286852" cy="278680"/>
-                <a:chOff x="656201" y="6170023"/>
-                <a:chExt cx="8286852" cy="278680"/>
-              </a:xfrm>
-            </p:grpSpPr>
-            <p:sp>
-              <p:nvSpPr>
-                <p:cNvPr id="17" name="TextBox 16">
-                  <a:extLst>
-                    <a:ext uri="{FF2B5EF4-FFF2-40B4-BE49-F238E27FC236}">
-                      <a16:creationId xmlns:a16="http://schemas.microsoft.com/office/drawing/2014/main" id="{2E8202EF-1E1C-D346-8FF1-1FB97B197E04}"/>
-                    </a:ext>
-                  </a:extLst>
-                </p:cNvPr>
-                <p:cNvSpPr txBox="1"/>
-                <p:nvPr/>
-              </p:nvSpPr>
-              <p:spPr>
-                <a:xfrm>
-                  <a:off x="656201" y="6171704"/>
-                  <a:ext cx="840295" cy="276999"/>
-                </a:xfrm>
-                <a:prstGeom prst="rect">
-                  <a:avLst/>
-                </a:prstGeom>
-                <a:noFill/>
-              </p:spPr>
-              <p:txBody>
-                <a:bodyPr wrap="none" rtlCol="0">
-                  <a:spAutoFit/>
-                </a:bodyPr>
-                <a:lstStyle/>
-                <a:p>
-                  <a:r>
-                    <a:rPr lang="en-US" sz="1200" dirty="0">
-                      <a:latin typeface="Arial" panose="020B0604020202020204" pitchFamily="34" charset="0"/>
-                      <a:cs typeface="Arial" panose="020B0604020202020204" pitchFamily="34" charset="0"/>
-                    </a:rPr>
-                    <a:t>2020-Feb</a:t>
-                  </a:r>
-                </a:p>
-              </p:txBody>
-            </p:sp>
-            <p:sp>
-              <p:nvSpPr>
-                <p:cNvPr id="18" name="TextBox 17">
-                  <a:extLst>
-                    <a:ext uri="{FF2B5EF4-FFF2-40B4-BE49-F238E27FC236}">
-                      <a16:creationId xmlns:a16="http://schemas.microsoft.com/office/drawing/2014/main" id="{79D71567-0727-F449-BCEA-FD2E73962D1A}"/>
-                    </a:ext>
-                  </a:extLst>
-                </p:cNvPr>
-                <p:cNvSpPr txBox="1"/>
-                <p:nvPr/>
-              </p:nvSpPr>
-              <p:spPr>
-                <a:xfrm>
-                  <a:off x="1733635" y="6171704"/>
-                  <a:ext cx="814647" cy="276999"/>
-                </a:xfrm>
-                <a:prstGeom prst="rect">
-                  <a:avLst/>
-                </a:prstGeom>
-                <a:noFill/>
-              </p:spPr>
-              <p:txBody>
-                <a:bodyPr wrap="none" rtlCol="0">
-                  <a:spAutoFit/>
-                </a:bodyPr>
-                <a:lstStyle/>
-                <a:p>
-                  <a:r>
-                    <a:rPr lang="en-US" sz="1200" dirty="0">
-                      <a:latin typeface="Arial" panose="020B0604020202020204" pitchFamily="34" charset="0"/>
-                      <a:cs typeface="Arial" panose="020B0604020202020204" pitchFamily="34" charset="0"/>
-                    </a:rPr>
-                    <a:t>2020-Apr</a:t>
-                  </a:r>
-                </a:p>
-              </p:txBody>
-            </p:sp>
-            <p:sp>
-              <p:nvSpPr>
-                <p:cNvPr id="19" name="TextBox 18">
-                  <a:extLst>
-                    <a:ext uri="{FF2B5EF4-FFF2-40B4-BE49-F238E27FC236}">
-                      <a16:creationId xmlns:a16="http://schemas.microsoft.com/office/drawing/2014/main" id="{93E4F73A-B8FC-9B43-8866-64DC0DBFE2C6}"/>
-                    </a:ext>
-                  </a:extLst>
-                </p:cNvPr>
-                <p:cNvSpPr txBox="1"/>
-                <p:nvPr/>
-              </p:nvSpPr>
-              <p:spPr>
-                <a:xfrm>
-                  <a:off x="2796885" y="6170024"/>
-                  <a:ext cx="822661" cy="276999"/>
-                </a:xfrm>
-                <a:prstGeom prst="rect">
-                  <a:avLst/>
-                </a:prstGeom>
-                <a:noFill/>
-              </p:spPr>
-              <p:txBody>
-                <a:bodyPr wrap="none" rtlCol="0">
-                  <a:spAutoFit/>
-                </a:bodyPr>
-                <a:lstStyle/>
-                <a:p>
-                  <a:r>
-                    <a:rPr lang="en-US" sz="1200" dirty="0">
-                      <a:latin typeface="Arial" panose="020B0604020202020204" pitchFamily="34" charset="0"/>
-                      <a:cs typeface="Arial" panose="020B0604020202020204" pitchFamily="34" charset="0"/>
-                    </a:rPr>
-                    <a:t>2020-Jun</a:t>
-                  </a:r>
-                </a:p>
-              </p:txBody>
-            </p:sp>
-            <p:sp>
-              <p:nvSpPr>
-                <p:cNvPr id="20" name="TextBox 19">
-                  <a:extLst>
-                    <a:ext uri="{FF2B5EF4-FFF2-40B4-BE49-F238E27FC236}">
-                      <a16:creationId xmlns:a16="http://schemas.microsoft.com/office/drawing/2014/main" id="{6A702FFD-00AE-D845-896B-BEBA55F7A056}"/>
-                    </a:ext>
-                  </a:extLst>
-                </p:cNvPr>
-                <p:cNvSpPr txBox="1"/>
-                <p:nvPr/>
-              </p:nvSpPr>
-              <p:spPr>
-                <a:xfrm>
-                  <a:off x="3853532" y="6170024"/>
-                  <a:ext cx="848309" cy="276999"/>
-                </a:xfrm>
-                <a:prstGeom prst="rect">
-                  <a:avLst/>
-                </a:prstGeom>
-                <a:noFill/>
-              </p:spPr>
-              <p:txBody>
-                <a:bodyPr wrap="none" rtlCol="0">
-                  <a:spAutoFit/>
-                </a:bodyPr>
-                <a:lstStyle/>
-                <a:p>
-                  <a:r>
-                    <a:rPr lang="en-US" sz="1200" dirty="0">
-                      <a:latin typeface="Arial" panose="020B0604020202020204" pitchFamily="34" charset="0"/>
-                      <a:cs typeface="Arial" panose="020B0604020202020204" pitchFamily="34" charset="0"/>
-                    </a:rPr>
-                    <a:t>2020-Aug</a:t>
-                  </a:r>
-                </a:p>
-              </p:txBody>
-            </p:sp>
-            <p:sp>
-              <p:nvSpPr>
-                <p:cNvPr id="21" name="TextBox 20">
-                  <a:extLst>
-                    <a:ext uri="{FF2B5EF4-FFF2-40B4-BE49-F238E27FC236}">
-                      <a16:creationId xmlns:a16="http://schemas.microsoft.com/office/drawing/2014/main" id="{2431DBF4-9A51-D34D-862A-DA2BC25C30D8}"/>
-                    </a:ext>
-                  </a:extLst>
-                </p:cNvPr>
-                <p:cNvSpPr txBox="1"/>
-                <p:nvPr/>
-              </p:nvSpPr>
-              <p:spPr>
-                <a:xfrm>
-                  <a:off x="4932753" y="6170024"/>
-                  <a:ext cx="816249" cy="276999"/>
-                </a:xfrm>
-                <a:prstGeom prst="rect">
-                  <a:avLst/>
-                </a:prstGeom>
-                <a:noFill/>
-              </p:spPr>
-              <p:txBody>
-                <a:bodyPr wrap="none" rtlCol="0">
-                  <a:spAutoFit/>
-                </a:bodyPr>
-                <a:lstStyle/>
-                <a:p>
-                  <a:r>
-                    <a:rPr lang="en-US" sz="1200" dirty="0">
-                      <a:latin typeface="Arial" panose="020B0604020202020204" pitchFamily="34" charset="0"/>
-                      <a:cs typeface="Arial" panose="020B0604020202020204" pitchFamily="34" charset="0"/>
-                    </a:rPr>
-                    <a:t>2020-Oct</a:t>
-                  </a:r>
-                </a:p>
-              </p:txBody>
-            </p:sp>
-            <p:sp>
-              <p:nvSpPr>
-                <p:cNvPr id="22" name="TextBox 21">
-                  <a:extLst>
-                    <a:ext uri="{FF2B5EF4-FFF2-40B4-BE49-F238E27FC236}">
-                      <a16:creationId xmlns:a16="http://schemas.microsoft.com/office/drawing/2014/main" id="{29D7D1F2-0F64-D840-9F8F-F4DEDB3822CF}"/>
-                    </a:ext>
-                  </a:extLst>
-                </p:cNvPr>
-                <p:cNvSpPr txBox="1"/>
-                <p:nvPr/>
-              </p:nvSpPr>
-              <p:spPr>
-                <a:xfrm>
-                  <a:off x="5990051" y="6170024"/>
-                  <a:ext cx="848309" cy="276999"/>
-                </a:xfrm>
-                <a:prstGeom prst="rect">
-                  <a:avLst/>
-                </a:prstGeom>
-                <a:noFill/>
-              </p:spPr>
-              <p:txBody>
-                <a:bodyPr wrap="none" rtlCol="0">
-                  <a:spAutoFit/>
-                </a:bodyPr>
-                <a:lstStyle/>
-                <a:p>
-                  <a:r>
-                    <a:rPr lang="en-US" sz="1200" dirty="0">
-                      <a:latin typeface="Arial" panose="020B0604020202020204" pitchFamily="34" charset="0"/>
-                      <a:cs typeface="Arial" panose="020B0604020202020204" pitchFamily="34" charset="0"/>
-                    </a:rPr>
-                    <a:t>2020-Dec</a:t>
-                  </a:r>
-                </a:p>
-              </p:txBody>
-            </p:sp>
-            <p:sp>
-              <p:nvSpPr>
-                <p:cNvPr id="23" name="TextBox 22">
-                  <a:extLst>
-                    <a:ext uri="{FF2B5EF4-FFF2-40B4-BE49-F238E27FC236}">
-                      <a16:creationId xmlns:a16="http://schemas.microsoft.com/office/drawing/2014/main" id="{F3AE26B5-6B76-F145-9B34-0A6D49B00DC8}"/>
-                    </a:ext>
-                  </a:extLst>
-                </p:cNvPr>
-                <p:cNvSpPr txBox="1"/>
-                <p:nvPr/>
-              </p:nvSpPr>
-              <p:spPr>
-                <a:xfrm>
-                  <a:off x="7079409" y="6170024"/>
-                  <a:ext cx="840295" cy="276999"/>
-                </a:xfrm>
-                <a:prstGeom prst="rect">
-                  <a:avLst/>
-                </a:prstGeom>
-                <a:noFill/>
-              </p:spPr>
-              <p:txBody>
-                <a:bodyPr wrap="none" rtlCol="0">
-                  <a:spAutoFit/>
-                </a:bodyPr>
-                <a:lstStyle/>
-                <a:p>
-                  <a:r>
-                    <a:rPr lang="en-US" sz="1200" dirty="0">
-                      <a:latin typeface="Arial" panose="020B0604020202020204" pitchFamily="34" charset="0"/>
-                      <a:cs typeface="Arial" panose="020B0604020202020204" pitchFamily="34" charset="0"/>
-                    </a:rPr>
-                    <a:t>2021-Feb</a:t>
-                  </a:r>
-                </a:p>
-              </p:txBody>
-            </p:sp>
-            <p:sp>
-              <p:nvSpPr>
-                <p:cNvPr id="24" name="TextBox 23">
-                  <a:extLst>
-                    <a:ext uri="{FF2B5EF4-FFF2-40B4-BE49-F238E27FC236}">
-                      <a16:creationId xmlns:a16="http://schemas.microsoft.com/office/drawing/2014/main" id="{3EA1DED4-19E4-4A45-9A99-5766B1D38AE2}"/>
-                    </a:ext>
-                  </a:extLst>
-                </p:cNvPr>
-                <p:cNvSpPr txBox="1"/>
-                <p:nvPr/>
-              </p:nvSpPr>
-              <p:spPr>
-                <a:xfrm>
-                  <a:off x="8128406" y="6170023"/>
-                  <a:ext cx="814647" cy="276999"/>
-                </a:xfrm>
-                <a:prstGeom prst="rect">
-                  <a:avLst/>
-                </a:prstGeom>
-                <a:noFill/>
-              </p:spPr>
-              <p:txBody>
-                <a:bodyPr wrap="none" rtlCol="0">
-                  <a:spAutoFit/>
-                </a:bodyPr>
-                <a:lstStyle/>
-                <a:p>
-                  <a:r>
-                    <a:rPr lang="en-US" sz="1200" dirty="0">
-                      <a:latin typeface="Arial" panose="020B0604020202020204" pitchFamily="34" charset="0"/>
-                      <a:cs typeface="Arial" panose="020B0604020202020204" pitchFamily="34" charset="0"/>
-                    </a:rPr>
-                    <a:t>2021-Apr</a:t>
-                  </a:r>
-                </a:p>
-              </p:txBody>
-            </p:sp>
-          </p:grpSp>
-        </p:grpSp>
+            <a:prstGeom prst="rect">
+              <a:avLst/>
+            </a:prstGeom>
+            <a:noFill/>
+          </p:spPr>
+          <p:txBody>
+            <a:bodyPr wrap="none" rtlCol="0">
+              <a:spAutoFit/>
+            </a:bodyPr>
+            <a:lstStyle/>
+            <a:p>
+              <a:r>
+                <a:rPr lang="en-US" sz="1200" dirty="0">
+                  <a:latin typeface="Arial" panose="020B0604020202020204" pitchFamily="34" charset="0"/>
+                  <a:cs typeface="Arial" panose="020B0604020202020204" pitchFamily="34" charset="0"/>
+                </a:rPr>
+                <a:t>2020-Apr</a:t>
+              </a:r>
+            </a:p>
+          </p:txBody>
+        </p:sp>
+        <p:sp>
+          <p:nvSpPr>
+            <p:cNvPr id="19" name="TextBox 18">
+              <a:extLst>
+                <a:ext uri="{FF2B5EF4-FFF2-40B4-BE49-F238E27FC236}">
+                  <a16:creationId xmlns:a16="http://schemas.microsoft.com/office/drawing/2014/main" id="{93E4F73A-B8FC-9B43-8866-64DC0DBFE2C6}"/>
+                </a:ext>
+              </a:extLst>
+            </p:cNvPr>
+            <p:cNvSpPr txBox="1"/>
+            <p:nvPr/>
+          </p:nvSpPr>
+          <p:spPr>
+            <a:xfrm>
+              <a:off x="2558891" y="6170024"/>
+              <a:ext cx="822661" cy="276999"/>
+            </a:xfrm>
+            <a:prstGeom prst="rect">
+              <a:avLst/>
+            </a:prstGeom>
+            <a:noFill/>
+          </p:spPr>
+          <p:txBody>
+            <a:bodyPr wrap="none" rtlCol="0">
+              <a:spAutoFit/>
+            </a:bodyPr>
+            <a:lstStyle/>
+            <a:p>
+              <a:r>
+                <a:rPr lang="en-US" sz="1200" dirty="0">
+                  <a:latin typeface="Arial" panose="020B0604020202020204" pitchFamily="34" charset="0"/>
+                  <a:cs typeface="Arial" panose="020B0604020202020204" pitchFamily="34" charset="0"/>
+                </a:rPr>
+                <a:t>2020-Jun</a:t>
+              </a:r>
+            </a:p>
+          </p:txBody>
+        </p:sp>
+        <p:sp>
+          <p:nvSpPr>
+            <p:cNvPr id="20" name="TextBox 19">
+              <a:extLst>
+                <a:ext uri="{FF2B5EF4-FFF2-40B4-BE49-F238E27FC236}">
+                  <a16:creationId xmlns:a16="http://schemas.microsoft.com/office/drawing/2014/main" id="{6A702FFD-00AE-D845-896B-BEBA55F7A056}"/>
+                </a:ext>
+              </a:extLst>
+            </p:cNvPr>
+            <p:cNvSpPr txBox="1"/>
+            <p:nvPr/>
+          </p:nvSpPr>
+          <p:spPr>
+            <a:xfrm>
+              <a:off x="3678168" y="6170024"/>
+              <a:ext cx="848309" cy="276999"/>
+            </a:xfrm>
+            <a:prstGeom prst="rect">
+              <a:avLst/>
+            </a:prstGeom>
+            <a:noFill/>
+          </p:spPr>
+          <p:txBody>
+            <a:bodyPr wrap="none" rtlCol="0">
+              <a:spAutoFit/>
+            </a:bodyPr>
+            <a:lstStyle/>
+            <a:p>
+              <a:r>
+                <a:rPr lang="en-US" sz="1200" dirty="0">
+                  <a:latin typeface="Arial" panose="020B0604020202020204" pitchFamily="34" charset="0"/>
+                  <a:cs typeface="Arial" panose="020B0604020202020204" pitchFamily="34" charset="0"/>
+                </a:rPr>
+                <a:t>2020-Aug</a:t>
+              </a:r>
+            </a:p>
+          </p:txBody>
+        </p:sp>
+        <p:sp>
+          <p:nvSpPr>
+            <p:cNvPr id="21" name="TextBox 20">
+              <a:extLst>
+                <a:ext uri="{FF2B5EF4-FFF2-40B4-BE49-F238E27FC236}">
+                  <a16:creationId xmlns:a16="http://schemas.microsoft.com/office/drawing/2014/main" id="{2431DBF4-9A51-D34D-862A-DA2BC25C30D8}"/>
+                </a:ext>
+              </a:extLst>
+            </p:cNvPr>
+            <p:cNvSpPr txBox="1"/>
+            <p:nvPr/>
+          </p:nvSpPr>
+          <p:spPr>
+            <a:xfrm>
+              <a:off x="4807493" y="6170024"/>
+              <a:ext cx="816249" cy="276999"/>
+            </a:xfrm>
+            <a:prstGeom prst="rect">
+              <a:avLst/>
+            </a:prstGeom>
+            <a:noFill/>
+          </p:spPr>
+          <p:txBody>
+            <a:bodyPr wrap="none" rtlCol="0">
+              <a:spAutoFit/>
+            </a:bodyPr>
+            <a:lstStyle/>
+            <a:p>
+              <a:r>
+                <a:rPr lang="en-US" sz="1200" dirty="0">
+                  <a:latin typeface="Arial" panose="020B0604020202020204" pitchFamily="34" charset="0"/>
+                  <a:cs typeface="Arial" panose="020B0604020202020204" pitchFamily="34" charset="0"/>
+                </a:rPr>
+                <a:t>2020-Oct</a:t>
+              </a:r>
+            </a:p>
+          </p:txBody>
+        </p:sp>
+        <p:sp>
+          <p:nvSpPr>
+            <p:cNvPr id="22" name="TextBox 21">
+              <a:extLst>
+                <a:ext uri="{FF2B5EF4-FFF2-40B4-BE49-F238E27FC236}">
+                  <a16:creationId xmlns:a16="http://schemas.microsoft.com/office/drawing/2014/main" id="{29D7D1F2-0F64-D840-9F8F-F4DEDB3822CF}"/>
+                </a:ext>
+              </a:extLst>
+            </p:cNvPr>
+            <p:cNvSpPr txBox="1"/>
+            <p:nvPr/>
+          </p:nvSpPr>
+          <p:spPr>
+            <a:xfrm>
+              <a:off x="5902369" y="6170024"/>
+              <a:ext cx="848309" cy="276999"/>
+            </a:xfrm>
+            <a:prstGeom prst="rect">
+              <a:avLst/>
+            </a:prstGeom>
+            <a:noFill/>
+          </p:spPr>
+          <p:txBody>
+            <a:bodyPr wrap="none" rtlCol="0">
+              <a:spAutoFit/>
+            </a:bodyPr>
+            <a:lstStyle/>
+            <a:p>
+              <a:r>
+                <a:rPr lang="en-US" sz="1200" dirty="0">
+                  <a:latin typeface="Arial" panose="020B0604020202020204" pitchFamily="34" charset="0"/>
+                  <a:cs typeface="Arial" panose="020B0604020202020204" pitchFamily="34" charset="0"/>
+                </a:rPr>
+                <a:t>2020-Dec</a:t>
+              </a:r>
+            </a:p>
+          </p:txBody>
+        </p:sp>
+        <p:sp>
+          <p:nvSpPr>
+            <p:cNvPr id="23" name="TextBox 22">
+              <a:extLst>
+                <a:ext uri="{FF2B5EF4-FFF2-40B4-BE49-F238E27FC236}">
+                  <a16:creationId xmlns:a16="http://schemas.microsoft.com/office/drawing/2014/main" id="{F3AE26B5-6B76-F145-9B34-0A6D49B00DC8}"/>
+                </a:ext>
+              </a:extLst>
+            </p:cNvPr>
+            <p:cNvSpPr txBox="1"/>
+            <p:nvPr/>
+          </p:nvSpPr>
+          <p:spPr>
+            <a:xfrm>
+              <a:off x="7029305" y="6170024"/>
+              <a:ext cx="840295" cy="276999"/>
+            </a:xfrm>
+            <a:prstGeom prst="rect">
+              <a:avLst/>
+            </a:prstGeom>
+            <a:noFill/>
+          </p:spPr>
+          <p:txBody>
+            <a:bodyPr wrap="none" rtlCol="0">
+              <a:spAutoFit/>
+            </a:bodyPr>
+            <a:lstStyle/>
+            <a:p>
+              <a:r>
+                <a:rPr lang="en-US" sz="1200" dirty="0">
+                  <a:latin typeface="Arial" panose="020B0604020202020204" pitchFamily="34" charset="0"/>
+                  <a:cs typeface="Arial" panose="020B0604020202020204" pitchFamily="34" charset="0"/>
+                </a:rPr>
+                <a:t>2021-Feb</a:t>
+              </a:r>
+            </a:p>
+          </p:txBody>
+        </p:sp>
+        <p:sp>
+          <p:nvSpPr>
+            <p:cNvPr id="24" name="TextBox 23">
+              <a:extLst>
+                <a:ext uri="{FF2B5EF4-FFF2-40B4-BE49-F238E27FC236}">
+                  <a16:creationId xmlns:a16="http://schemas.microsoft.com/office/drawing/2014/main" id="{3EA1DED4-19E4-4A45-9A99-5766B1D38AE2}"/>
+                </a:ext>
+              </a:extLst>
+            </p:cNvPr>
+            <p:cNvSpPr txBox="1"/>
+            <p:nvPr/>
+          </p:nvSpPr>
+          <p:spPr>
+            <a:xfrm>
+              <a:off x="8128406" y="6170023"/>
+              <a:ext cx="814647" cy="276999"/>
+            </a:xfrm>
+            <a:prstGeom prst="rect">
+              <a:avLst/>
+            </a:prstGeom>
+            <a:noFill/>
+          </p:spPr>
+          <p:txBody>
+            <a:bodyPr wrap="none" rtlCol="0">
+              <a:spAutoFit/>
+            </a:bodyPr>
+            <a:lstStyle/>
+            <a:p>
+              <a:r>
+                <a:rPr lang="en-US" sz="1200" dirty="0">
+                  <a:latin typeface="Arial" panose="020B0604020202020204" pitchFamily="34" charset="0"/>
+                  <a:cs typeface="Arial" panose="020B0604020202020204" pitchFamily="34" charset="0"/>
+                </a:rPr>
+                <a:t>2021-Apr</a:t>
+              </a:r>
+            </a:p>
+          </p:txBody>
+        </p:sp>
       </p:grpSp>
       <p:pic>
         <p:nvPicPr>
-          <p:cNvPr id="10" name="Picture 9">
+          <p:cNvPr id="3" name="Picture 2">
             <a:extLst>
               <a:ext uri="{FF2B5EF4-FFF2-40B4-BE49-F238E27FC236}">
-                <a16:creationId xmlns:a16="http://schemas.microsoft.com/office/drawing/2014/main" id="{9407BAE6-79AE-F34F-954C-8A519AF66AFC}"/>
+                <a16:creationId xmlns:a16="http://schemas.microsoft.com/office/drawing/2014/main" id="{B64AE64B-5E69-9744-9D1B-BDF9887BB63A}"/>
+              </a:ext>
+            </a:extLst>
+          </p:cNvPr>
+          <p:cNvPicPr>
+            <a:picLocks noChangeAspect="1"/>
+          </p:cNvPicPr>
+          <p:nvPr/>
+        </p:nvPicPr>
+        <p:blipFill rotWithShape="1">
+          <a:blip r:embed="rId2"/>
+          <a:srcRect t="2702"/>
+          <a:stretch/>
+        </p:blipFill>
+        <p:spPr>
+          <a:xfrm>
+            <a:off x="0" y="197242"/>
+            <a:ext cx="9601200" cy="5499205"/>
+          </a:xfrm>
+          <a:prstGeom prst="rect">
+            <a:avLst/>
+          </a:prstGeom>
+        </p:spPr>
+      </p:pic>
+      <p:pic>
+        <p:nvPicPr>
+          <p:cNvPr id="5" name="Picture 4">
+            <a:extLst>
+              <a:ext uri="{FF2B5EF4-FFF2-40B4-BE49-F238E27FC236}">
+                <a16:creationId xmlns:a16="http://schemas.microsoft.com/office/drawing/2014/main" id="{D304A663-85EF-3948-ABD0-F76E0B3874EC}"/>
               </a:ext>
             </a:extLst>
           </p:cNvPr>
@@ -3518,13 +3343,13 @@
         </p:nvPicPr>
         <p:blipFill rotWithShape="1">
           <a:blip r:embed="rId3"/>
-          <a:srcRect l="17877" t="1136" r="-1" b="65262"/>
+          <a:srcRect l="58427" b="78282"/>
           <a:stretch/>
         </p:blipFill>
         <p:spPr>
           <a:xfrm>
-            <a:off x="40460" y="28322"/>
-            <a:ext cx="4496428" cy="1213150"/>
+            <a:off x="6451" y="0"/>
+            <a:ext cx="2085497" cy="957110"/>
           </a:xfrm>
           <a:prstGeom prst="rect">
             <a:avLst/>
